--- a/Tugas.pptx
+++ b/Tugas.pptx
@@ -8,6 +8,17 @@
     <p:sldId id="256" r:id="rId2"/>
     <p:sldId id="257" r:id="rId3"/>
     <p:sldId id="258" r:id="rId4"/>
+    <p:sldId id="259" r:id="rId5"/>
+    <p:sldId id="260" r:id="rId6"/>
+    <p:sldId id="261" r:id="rId7"/>
+    <p:sldId id="262" r:id="rId8"/>
+    <p:sldId id="263" r:id="rId9"/>
+    <p:sldId id="264" r:id="rId10"/>
+    <p:sldId id="265" r:id="rId11"/>
+    <p:sldId id="266" r:id="rId12"/>
+    <p:sldId id="267" r:id="rId13"/>
+    <p:sldId id="268" r:id="rId14"/>
+    <p:sldId id="269" r:id="rId15"/>
   </p:sldIdLst>
   <p:sldSz cx="12192000" cy="6858000"/>
   <p:notesSz cx="6858000" cy="9144000"/>
@@ -106,6 +117,11 @@
       </a:defRPr>
     </a:lvl9pPr>
   </p:defaultTextStyle>
+  <p:extLst>
+    <p:ext uri="{EFAFB233-063F-42B5-8137-9DF3F51BA10A}">
+      <p15:sldGuideLst xmlns:p15="http://schemas.microsoft.com/office/powerpoint/2012/main"/>
+    </p:ext>
+  </p:extLst>
 </p:presentation>
 </file>
 
@@ -3002,6 +3018,613 @@
 </p:sld>
 </file>
 
+<file path=ppt/slides/slide10.xml><?xml version="1.0" encoding="utf-8"?>
+<p:sld xmlns:a="http://schemas.openxmlformats.org/drawingml/2006/main" xmlns:r="http://schemas.openxmlformats.org/officeDocument/2006/relationships" xmlns:p="http://schemas.openxmlformats.org/presentationml/2006/main">
+  <p:cSld>
+    <p:spTree>
+      <p:nvGrpSpPr>
+        <p:cNvPr id="1" name=""/>
+        <p:cNvGrpSpPr/>
+        <p:nvPr/>
+      </p:nvGrpSpPr>
+      <p:grpSpPr>
+        <a:xfrm>
+          <a:off x="0" y="0"/>
+          <a:ext cx="0" cy="0"/>
+          <a:chOff x="0" y="0"/>
+          <a:chExt cx="0" cy="0"/>
+        </a:xfrm>
+      </p:grpSpPr>
+      <p:sp>
+        <p:nvSpPr>
+          <p:cNvPr id="3" name="Content Placeholder 2"/>
+          <p:cNvSpPr>
+            <a:spLocks noGrp="1"/>
+          </p:cNvSpPr>
+          <p:nvPr>
+            <p:ph idx="1"/>
+          </p:nvPr>
+        </p:nvSpPr>
+        <p:spPr>
+          <a:xfrm>
+            <a:off x="838200" y="301625"/>
+            <a:ext cx="10515600" cy="4351338"/>
+          </a:xfrm>
+        </p:spPr>
+        <p:txBody>
+          <a:bodyPr/>
+          <a:lstStyle/>
+          <a:p>
+            <a:pPr marL="0" indent="0">
+              <a:buNone/>
+            </a:pPr>
+            <a:r>
+              <a:rPr lang="en-US" dirty="0" smtClean="0"/>
+              <a:t>http://foro.gunbound.ca/index.php?threads/how-to-improve-feel-with-without-formula.100/</a:t>
+            </a:r>
+            <a:endParaRPr lang="en-US" dirty="0"/>
+          </a:p>
+        </p:txBody>
+      </p:sp>
+      <p:pic>
+        <p:nvPicPr>
+          <p:cNvPr id="4" name="Picture 3"/>
+          <p:cNvPicPr>
+            <a:picLocks noChangeAspect="1"/>
+          </p:cNvPicPr>
+          <p:nvPr/>
+        </p:nvPicPr>
+        <p:blipFill>
+          <a:blip r:embed="rId2"/>
+          <a:stretch>
+            <a:fillRect/>
+          </a:stretch>
+        </p:blipFill>
+        <p:spPr>
+          <a:xfrm>
+            <a:off x="300039" y="1145060"/>
+            <a:ext cx="11466964" cy="5581134"/>
+          </a:xfrm>
+          <a:prstGeom prst="rect">
+            <a:avLst/>
+          </a:prstGeom>
+        </p:spPr>
+      </p:pic>
+    </p:spTree>
+    <p:extLst>
+      <p:ext uri="{BB962C8B-B14F-4D97-AF65-F5344CB8AC3E}">
+        <p14:creationId xmlns:p14="http://schemas.microsoft.com/office/powerpoint/2010/main" val="1841749117"/>
+      </p:ext>
+    </p:extLst>
+  </p:cSld>
+  <p:clrMapOvr>
+    <a:masterClrMapping/>
+  </p:clrMapOvr>
+</p:sld>
+</file>
+
+<file path=ppt/slides/slide11.xml><?xml version="1.0" encoding="utf-8"?>
+<p:sld xmlns:a="http://schemas.openxmlformats.org/drawingml/2006/main" xmlns:r="http://schemas.openxmlformats.org/officeDocument/2006/relationships" xmlns:p="http://schemas.openxmlformats.org/presentationml/2006/main">
+  <p:cSld>
+    <p:spTree>
+      <p:nvGrpSpPr>
+        <p:cNvPr id="1" name=""/>
+        <p:cNvGrpSpPr/>
+        <p:nvPr/>
+      </p:nvGrpSpPr>
+      <p:grpSpPr>
+        <a:xfrm>
+          <a:off x="0" y="0"/>
+          <a:ext cx="0" cy="0"/>
+          <a:chOff x="0" y="0"/>
+          <a:chExt cx="0" cy="0"/>
+        </a:xfrm>
+      </p:grpSpPr>
+      <p:pic>
+        <p:nvPicPr>
+          <p:cNvPr id="4" name="Picture 3"/>
+          <p:cNvPicPr>
+            <a:picLocks noChangeAspect="1"/>
+          </p:cNvPicPr>
+          <p:nvPr/>
+        </p:nvPicPr>
+        <p:blipFill>
+          <a:blip r:embed="rId2">
+            <a:extLst>
+              <a:ext uri="{28A0092B-C50C-407E-A947-70E740481C1C}">
+                <a14:useLocalDpi xmlns:a14="http://schemas.microsoft.com/office/drawing/2010/main" val="0"/>
+              </a:ext>
+            </a:extLst>
+          </a:blip>
+          <a:stretch>
+            <a:fillRect/>
+          </a:stretch>
+        </p:blipFill>
+        <p:spPr>
+          <a:xfrm>
+            <a:off x="0" y="0"/>
+            <a:ext cx="12192000" cy="6858000"/>
+          </a:xfrm>
+          <a:prstGeom prst="rect">
+            <a:avLst/>
+          </a:prstGeom>
+        </p:spPr>
+      </p:pic>
+      <p:sp>
+        <p:nvSpPr>
+          <p:cNvPr id="5" name="TextBox 4"/>
+          <p:cNvSpPr txBox="1"/>
+          <p:nvPr/>
+        </p:nvSpPr>
+        <p:spPr>
+          <a:xfrm>
+            <a:off x="1696994" y="2199503"/>
+            <a:ext cx="8798012" cy="1077218"/>
+          </a:xfrm>
+          <a:prstGeom prst="rect">
+            <a:avLst/>
+          </a:prstGeom>
+          <a:noFill/>
+        </p:spPr>
+        <p:txBody>
+          <a:bodyPr wrap="square" rtlCol="0">
+            <a:spAutoFit/>
+          </a:bodyPr>
+          <a:lstStyle/>
+          <a:p>
+            <a:r>
+              <a:rPr lang="en-US" sz="3200" dirty="0" err="1" smtClean="0"/>
+              <a:t>Apakah</a:t>
+            </a:r>
+            <a:r>
+              <a:rPr lang="en-US" sz="3200" dirty="0" smtClean="0"/>
+              <a:t> flappy bird </a:t>
+            </a:r>
+            <a:r>
+              <a:rPr lang="en-US" sz="3200" dirty="0" err="1" smtClean="0"/>
+              <a:t>memiliki</a:t>
+            </a:r>
+            <a:r>
+              <a:rPr lang="en-US" sz="3200" dirty="0" smtClean="0"/>
+              <a:t> </a:t>
+            </a:r>
+            <a:r>
+              <a:rPr lang="en-US" sz="3200" dirty="0" err="1" smtClean="0"/>
+              <a:t>maksimum</a:t>
+            </a:r>
+            <a:r>
+              <a:rPr lang="en-US" sz="3200" dirty="0" smtClean="0"/>
+              <a:t> score? </a:t>
+            </a:r>
+            <a:r>
+              <a:rPr lang="en-US" sz="3200" dirty="0" err="1" smtClean="0"/>
+              <a:t>Bila</a:t>
+            </a:r>
+            <a:r>
+              <a:rPr lang="en-US" sz="3200" dirty="0" smtClean="0"/>
+              <a:t> di </a:t>
+            </a:r>
+            <a:r>
+              <a:rPr lang="en-US" sz="3200" dirty="0" err="1" smtClean="0"/>
+              <a:t>lihat</a:t>
+            </a:r>
+            <a:r>
+              <a:rPr lang="en-US" sz="3200" dirty="0" smtClean="0"/>
+              <a:t> </a:t>
+            </a:r>
+            <a:r>
+              <a:rPr lang="en-US" sz="3200" dirty="0" err="1" smtClean="0"/>
+              <a:t>dari</a:t>
+            </a:r>
+            <a:r>
+              <a:rPr lang="en-US" sz="3200" dirty="0" smtClean="0"/>
+              <a:t> </a:t>
+            </a:r>
+            <a:r>
+              <a:rPr lang="en-US" sz="3200" dirty="0" err="1" smtClean="0"/>
+              <a:t>sisi</a:t>
+            </a:r>
+            <a:r>
+              <a:rPr lang="en-US" sz="3200" dirty="0" smtClean="0"/>
+              <a:t> </a:t>
+            </a:r>
+            <a:r>
+              <a:rPr lang="en-US" sz="3200" dirty="0" err="1" smtClean="0"/>
+              <a:t>matematika</a:t>
+            </a:r>
+            <a:endParaRPr lang="en-US" sz="3200" dirty="0"/>
+          </a:p>
+        </p:txBody>
+      </p:sp>
+    </p:spTree>
+    <p:extLst>
+      <p:ext uri="{BB962C8B-B14F-4D97-AF65-F5344CB8AC3E}">
+        <p14:creationId xmlns:p14="http://schemas.microsoft.com/office/powerpoint/2010/main" val="3669702031"/>
+      </p:ext>
+    </p:extLst>
+  </p:cSld>
+  <p:clrMapOvr>
+    <a:masterClrMapping/>
+  </p:clrMapOvr>
+</p:sld>
+</file>
+
+<file path=ppt/slides/slide12.xml><?xml version="1.0" encoding="utf-8"?>
+<p:sld xmlns:a="http://schemas.openxmlformats.org/drawingml/2006/main" xmlns:r="http://schemas.openxmlformats.org/officeDocument/2006/relationships" xmlns:p="http://schemas.openxmlformats.org/presentationml/2006/main">
+  <p:cSld>
+    <p:spTree>
+      <p:nvGrpSpPr>
+        <p:cNvPr id="1" name=""/>
+        <p:cNvGrpSpPr/>
+        <p:nvPr/>
+      </p:nvGrpSpPr>
+      <p:grpSpPr>
+        <a:xfrm>
+          <a:off x="0" y="0"/>
+          <a:ext cx="0" cy="0"/>
+          <a:chOff x="0" y="0"/>
+          <a:chExt cx="0" cy="0"/>
+        </a:xfrm>
+      </p:grpSpPr>
+      <p:pic>
+        <p:nvPicPr>
+          <p:cNvPr id="4" name="Picture 3"/>
+          <p:cNvPicPr>
+            <a:picLocks noChangeAspect="1"/>
+          </p:cNvPicPr>
+          <p:nvPr/>
+        </p:nvPicPr>
+        <p:blipFill>
+          <a:blip r:embed="rId2">
+            <a:extLst>
+              <a:ext uri="{28A0092B-C50C-407E-A947-70E740481C1C}">
+                <a14:useLocalDpi xmlns:a14="http://schemas.microsoft.com/office/drawing/2010/main" val="0"/>
+              </a:ext>
+            </a:extLst>
+          </a:blip>
+          <a:stretch>
+            <a:fillRect/>
+          </a:stretch>
+        </p:blipFill>
+        <p:spPr>
+          <a:xfrm>
+            <a:off x="0" y="0"/>
+            <a:ext cx="12192000" cy="6858000"/>
+          </a:xfrm>
+          <a:prstGeom prst="rect">
+            <a:avLst/>
+          </a:prstGeom>
+        </p:spPr>
+      </p:pic>
+      <p:pic>
+        <p:nvPicPr>
+          <p:cNvPr id="2" name="Picture 1"/>
+          <p:cNvPicPr>
+            <a:picLocks noChangeAspect="1"/>
+          </p:cNvPicPr>
+          <p:nvPr/>
+        </p:nvPicPr>
+        <p:blipFill>
+          <a:blip r:embed="rId3"/>
+          <a:stretch>
+            <a:fillRect/>
+          </a:stretch>
+        </p:blipFill>
+        <p:spPr>
+          <a:xfrm>
+            <a:off x="2806529" y="1373917"/>
+            <a:ext cx="6743700" cy="1885950"/>
+          </a:xfrm>
+          <a:prstGeom prst="rect">
+            <a:avLst/>
+          </a:prstGeom>
+        </p:spPr>
+      </p:pic>
+    </p:spTree>
+    <p:extLst>
+      <p:ext uri="{BB962C8B-B14F-4D97-AF65-F5344CB8AC3E}">
+        <p14:creationId xmlns:p14="http://schemas.microsoft.com/office/powerpoint/2010/main" val="3707560744"/>
+      </p:ext>
+    </p:extLst>
+  </p:cSld>
+  <p:clrMapOvr>
+    <a:masterClrMapping/>
+  </p:clrMapOvr>
+</p:sld>
+</file>
+
+<file path=ppt/slides/slide13.xml><?xml version="1.0" encoding="utf-8"?>
+<p:sld xmlns:a="http://schemas.openxmlformats.org/drawingml/2006/main" xmlns:r="http://schemas.openxmlformats.org/officeDocument/2006/relationships" xmlns:p="http://schemas.openxmlformats.org/presentationml/2006/main">
+  <p:cSld>
+    <p:spTree>
+      <p:nvGrpSpPr>
+        <p:cNvPr id="1" name=""/>
+        <p:cNvGrpSpPr/>
+        <p:nvPr/>
+      </p:nvGrpSpPr>
+      <p:grpSpPr>
+        <a:xfrm>
+          <a:off x="0" y="0"/>
+          <a:ext cx="0" cy="0"/>
+          <a:chOff x="0" y="0"/>
+          <a:chExt cx="0" cy="0"/>
+        </a:xfrm>
+      </p:grpSpPr>
+      <p:pic>
+        <p:nvPicPr>
+          <p:cNvPr id="4" name="Picture 3"/>
+          <p:cNvPicPr>
+            <a:picLocks noChangeAspect="1"/>
+          </p:cNvPicPr>
+          <p:nvPr/>
+        </p:nvPicPr>
+        <p:blipFill>
+          <a:blip r:embed="rId2">
+            <a:extLst>
+              <a:ext uri="{28A0092B-C50C-407E-A947-70E740481C1C}">
+                <a14:useLocalDpi xmlns:a14="http://schemas.microsoft.com/office/drawing/2010/main" val="0"/>
+              </a:ext>
+            </a:extLst>
+          </a:blip>
+          <a:stretch>
+            <a:fillRect/>
+          </a:stretch>
+        </p:blipFill>
+        <p:spPr>
+          <a:xfrm>
+            <a:off x="0" y="0"/>
+            <a:ext cx="12192000" cy="6858000"/>
+          </a:xfrm>
+          <a:prstGeom prst="rect">
+            <a:avLst/>
+          </a:prstGeom>
+        </p:spPr>
+      </p:pic>
+      <p:sp>
+        <p:nvSpPr>
+          <p:cNvPr id="5" name="TextBox 4"/>
+          <p:cNvSpPr txBox="1"/>
+          <p:nvPr/>
+        </p:nvSpPr>
+        <p:spPr>
+          <a:xfrm>
+            <a:off x="2380735" y="1787611"/>
+            <a:ext cx="7578811" cy="1384995"/>
+          </a:xfrm>
+          <a:prstGeom prst="rect">
+            <a:avLst/>
+          </a:prstGeom>
+          <a:noFill/>
+        </p:spPr>
+        <p:txBody>
+          <a:bodyPr wrap="square" rtlCol="0">
+            <a:spAutoFit/>
+          </a:bodyPr>
+          <a:lstStyle/>
+          <a:p>
+            <a:r>
+              <a:rPr lang="en-US" sz="4200" dirty="0" err="1" smtClean="0">
+                <a:solidFill>
+                  <a:schemeClr val="bg1"/>
+                </a:solidFill>
+              </a:rPr>
+              <a:t>Apakah</a:t>
+            </a:r>
+            <a:r>
+              <a:rPr lang="en-US" sz="4200" dirty="0" smtClean="0">
+                <a:solidFill>
+                  <a:schemeClr val="bg1"/>
+                </a:solidFill>
+              </a:rPr>
+              <a:t> </a:t>
+            </a:r>
+            <a:r>
+              <a:rPr lang="en-US" sz="4200" dirty="0" err="1" smtClean="0">
+                <a:solidFill>
+                  <a:schemeClr val="bg1"/>
+                </a:solidFill>
+              </a:rPr>
+              <a:t>semua</a:t>
+            </a:r>
+            <a:r>
+              <a:rPr lang="en-US" sz="4200" dirty="0" smtClean="0">
+                <a:solidFill>
+                  <a:schemeClr val="bg1"/>
+                </a:solidFill>
+              </a:rPr>
+              <a:t> </a:t>
+            </a:r>
+            <a:r>
+              <a:rPr lang="en-US" sz="4200" dirty="0" err="1" smtClean="0">
+                <a:solidFill>
+                  <a:schemeClr val="bg1"/>
+                </a:solidFill>
+              </a:rPr>
+              <a:t>buah</a:t>
+            </a:r>
+            <a:r>
+              <a:rPr lang="en-US" sz="4200" dirty="0" smtClean="0">
+                <a:solidFill>
+                  <a:schemeClr val="bg1"/>
+                </a:solidFill>
+              </a:rPr>
+              <a:t> </a:t>
+            </a:r>
+            <a:r>
+              <a:rPr lang="en-US" sz="4200" dirty="0" err="1" smtClean="0">
+                <a:solidFill>
+                  <a:schemeClr val="bg1"/>
+                </a:solidFill>
+              </a:rPr>
+              <a:t>memiliki</a:t>
+            </a:r>
+            <a:r>
+              <a:rPr lang="en-US" sz="4200" dirty="0" smtClean="0">
+                <a:solidFill>
+                  <a:schemeClr val="bg1"/>
+                </a:solidFill>
+              </a:rPr>
+              <a:t> </a:t>
+            </a:r>
+            <a:r>
+              <a:rPr lang="en-US" sz="4200" dirty="0" err="1" smtClean="0">
+                <a:solidFill>
+                  <a:schemeClr val="bg1"/>
+                </a:solidFill>
+              </a:rPr>
+              <a:t>berat</a:t>
+            </a:r>
+            <a:r>
+              <a:rPr lang="en-US" sz="4200" dirty="0" smtClean="0">
+                <a:solidFill>
+                  <a:schemeClr val="bg1"/>
+                </a:solidFill>
+              </a:rPr>
+              <a:t> yang </a:t>
+            </a:r>
+            <a:r>
+              <a:rPr lang="en-US" sz="4200" dirty="0" err="1" smtClean="0">
+                <a:solidFill>
+                  <a:schemeClr val="bg1"/>
+                </a:solidFill>
+              </a:rPr>
+              <a:t>sama</a:t>
+            </a:r>
+            <a:r>
+              <a:rPr lang="en-US" sz="4200" dirty="0" smtClean="0">
+                <a:solidFill>
+                  <a:schemeClr val="bg1"/>
+                </a:solidFill>
+              </a:rPr>
+              <a:t>?</a:t>
+            </a:r>
+            <a:endParaRPr lang="en-US" sz="4200" dirty="0">
+              <a:solidFill>
+                <a:schemeClr val="bg1"/>
+              </a:solidFill>
+            </a:endParaRPr>
+          </a:p>
+        </p:txBody>
+      </p:sp>
+    </p:spTree>
+    <p:extLst>
+      <p:ext uri="{BB962C8B-B14F-4D97-AF65-F5344CB8AC3E}">
+        <p14:creationId xmlns:p14="http://schemas.microsoft.com/office/powerpoint/2010/main" val="2436762306"/>
+      </p:ext>
+    </p:extLst>
+  </p:cSld>
+  <p:clrMapOvr>
+    <a:masterClrMapping/>
+  </p:clrMapOvr>
+</p:sld>
+</file>
+
+<file path=ppt/slides/slide14.xml><?xml version="1.0" encoding="utf-8"?>
+<p:sld xmlns:a="http://schemas.openxmlformats.org/drawingml/2006/main" xmlns:r="http://schemas.openxmlformats.org/officeDocument/2006/relationships" xmlns:p="http://schemas.openxmlformats.org/presentationml/2006/main">
+  <p:cSld>
+    <p:spTree>
+      <p:nvGrpSpPr>
+        <p:cNvPr id="1" name=""/>
+        <p:cNvGrpSpPr/>
+        <p:nvPr/>
+      </p:nvGrpSpPr>
+      <p:grpSpPr>
+        <a:xfrm>
+          <a:off x="0" y="0"/>
+          <a:ext cx="0" cy="0"/>
+          <a:chOff x="0" y="0"/>
+          <a:chExt cx="0" cy="0"/>
+        </a:xfrm>
+      </p:grpSpPr>
+      <p:pic>
+        <p:nvPicPr>
+          <p:cNvPr id="4" name="Picture 3"/>
+          <p:cNvPicPr>
+            <a:picLocks noChangeAspect="1"/>
+          </p:cNvPicPr>
+          <p:nvPr/>
+        </p:nvPicPr>
+        <p:blipFill>
+          <a:blip r:embed="rId2">
+            <a:extLst>
+              <a:ext uri="{28A0092B-C50C-407E-A947-70E740481C1C}">
+                <a14:useLocalDpi xmlns:a14="http://schemas.microsoft.com/office/drawing/2010/main" val="0"/>
+              </a:ext>
+            </a:extLst>
+          </a:blip>
+          <a:stretch>
+            <a:fillRect/>
+          </a:stretch>
+        </p:blipFill>
+        <p:spPr>
+          <a:xfrm>
+            <a:off x="0" y="0"/>
+            <a:ext cx="12192000" cy="6858000"/>
+          </a:xfrm>
+          <a:prstGeom prst="rect">
+            <a:avLst/>
+          </a:prstGeom>
+        </p:spPr>
+      </p:pic>
+      <p:sp>
+        <p:nvSpPr>
+          <p:cNvPr id="5" name="TextBox 4"/>
+          <p:cNvSpPr txBox="1"/>
+          <p:nvPr/>
+        </p:nvSpPr>
+        <p:spPr>
+          <a:xfrm>
+            <a:off x="2380735" y="1787611"/>
+            <a:ext cx="7578811" cy="2031325"/>
+          </a:xfrm>
+          <a:prstGeom prst="rect">
+            <a:avLst/>
+          </a:prstGeom>
+          <a:noFill/>
+        </p:spPr>
+        <p:txBody>
+          <a:bodyPr wrap="square" rtlCol="0">
+            <a:spAutoFit/>
+          </a:bodyPr>
+          <a:lstStyle/>
+          <a:p>
+            <a:r>
+              <a:rPr lang="en-US" sz="4200" dirty="0" smtClean="0">
+                <a:solidFill>
+                  <a:schemeClr val="bg1"/>
+                </a:solidFill>
+                <a:hlinkClick r:id="rId3"/>
+              </a:rPr>
+              <a:t>https://www.youtube.com/watch?v=TFFQNjJ5C5Q</a:t>
+            </a:r>
+            <a:endParaRPr lang="en-US" sz="4200" dirty="0" smtClean="0">
+              <a:solidFill>
+                <a:schemeClr val="bg1"/>
+              </a:solidFill>
+            </a:endParaRPr>
+          </a:p>
+          <a:p>
+            <a:endParaRPr lang="en-US" sz="4200" dirty="0">
+              <a:solidFill>
+                <a:schemeClr val="bg1"/>
+              </a:solidFill>
+            </a:endParaRPr>
+          </a:p>
+        </p:txBody>
+      </p:sp>
+    </p:spTree>
+    <p:extLst>
+      <p:ext uri="{BB962C8B-B14F-4D97-AF65-F5344CB8AC3E}">
+        <p14:creationId xmlns:p14="http://schemas.microsoft.com/office/powerpoint/2010/main" val="1019199378"/>
+      </p:ext>
+    </p:extLst>
+  </p:cSld>
+  <p:clrMapOvr>
+    <a:masterClrMapping/>
+  </p:clrMapOvr>
+</p:sld>
+</file>
+
 <file path=ppt/slides/slide2.xml><?xml version="1.0" encoding="utf-8"?>
 <p:sld xmlns:a="http://schemas.openxmlformats.org/drawingml/2006/main" xmlns:r="http://schemas.openxmlformats.org/officeDocument/2006/relationships" xmlns:p="http://schemas.openxmlformats.org/presentationml/2006/main">
   <p:cSld>
@@ -3035,12 +3658,8 @@
           <a:lstStyle/>
           <a:p>
             <a:r>
-              <a:rPr lang="en-US" dirty="0" smtClean="0"/>
-              <a:t>Nama </a:t>
-            </a:r>
-            <a:r>
               <a:rPr lang="en-US" dirty="0" err="1" smtClean="0"/>
-              <a:t>loe</a:t>
+              <a:t>dennie</a:t>
             </a:r>
             <a:endParaRPr lang="en-US" dirty="0"/>
           </a:p>
@@ -3107,34 +3726,1578 @@
           <a:chExt cx="0" cy="0"/>
         </a:xfrm>
       </p:grpSpPr>
-      <p:sp>
-        <p:nvSpPr>
-          <p:cNvPr id="3" name="Content Placeholder 2"/>
-          <p:cNvSpPr>
-            <a:spLocks noGrp="1"/>
-          </p:cNvSpPr>
-          <p:nvPr>
-            <p:ph idx="1"/>
-          </p:nvPr>
-        </p:nvSpPr>
+      <p:pic>
+        <p:nvPicPr>
+          <p:cNvPr id="4" name="Picture 3"/>
+          <p:cNvPicPr>
+            <a:picLocks noChangeAspect="1"/>
+          </p:cNvPicPr>
+          <p:nvPr/>
+        </p:nvPicPr>
+        <p:blipFill>
+          <a:blip r:embed="rId2">
+            <a:extLst>
+              <a:ext uri="{28A0092B-C50C-407E-A947-70E740481C1C}">
+                <a14:useLocalDpi xmlns:a14="http://schemas.microsoft.com/office/drawing/2010/main" val="0"/>
+              </a:ext>
+            </a:extLst>
+          </a:blip>
+          <a:stretch>
+            <a:fillRect/>
+          </a:stretch>
+        </p:blipFill>
         <p:spPr>
           <a:xfrm>
-            <a:off x="838200" y="691978"/>
-            <a:ext cx="10515600" cy="5484985"/>
+            <a:off x="0" y="0"/>
+            <a:ext cx="12192000" cy="6858000"/>
           </a:xfrm>
+          <a:prstGeom prst="rect">
+            <a:avLst/>
+          </a:prstGeom>
         </p:spPr>
-        <p:txBody>
-          <a:bodyPr/>
-          <a:lstStyle/>
-          <a:p>
-            <a:endParaRPr lang="en-US" dirty="0"/>
+      </p:pic>
+      <p:sp>
+        <p:nvSpPr>
+          <p:cNvPr id="5" name="TextBox 4"/>
+          <p:cNvSpPr txBox="1"/>
+          <p:nvPr/>
+        </p:nvSpPr>
+        <p:spPr>
+          <a:xfrm>
+            <a:off x="403655" y="1631091"/>
+            <a:ext cx="11788345" cy="2554545"/>
+          </a:xfrm>
+          <a:prstGeom prst="rect">
+            <a:avLst/>
+          </a:prstGeom>
+          <a:noFill/>
+        </p:spPr>
+        <p:txBody>
+          <a:bodyPr wrap="square" rtlCol="0">
+            <a:spAutoFit/>
+          </a:bodyPr>
+          <a:lstStyle/>
+          <a:p>
+            <a:r>
+              <a:rPr lang="en-US" sz="3200" dirty="0" err="1" smtClean="0">
+                <a:solidFill>
+                  <a:srgbClr val="FFFF00"/>
+                </a:solidFill>
+              </a:rPr>
+              <a:t>Jika</a:t>
+            </a:r>
+            <a:r>
+              <a:rPr lang="en-US" sz="3200" dirty="0" smtClean="0">
+                <a:solidFill>
+                  <a:srgbClr val="FFFF00"/>
+                </a:solidFill>
+              </a:rPr>
+              <a:t> </a:t>
+            </a:r>
+            <a:r>
+              <a:rPr lang="en-US" sz="3200" dirty="0" err="1" smtClean="0">
+                <a:solidFill>
+                  <a:srgbClr val="FFFF00"/>
+                </a:solidFill>
+              </a:rPr>
+              <a:t>Menempa</a:t>
+            </a:r>
+            <a:r>
+              <a:rPr lang="en-US" sz="3200" dirty="0" smtClean="0">
+                <a:solidFill>
+                  <a:srgbClr val="FFFF00"/>
+                </a:solidFill>
+              </a:rPr>
+              <a:t> </a:t>
+            </a:r>
+            <a:r>
+              <a:rPr lang="en-US" sz="3200" dirty="0" err="1" smtClean="0">
+                <a:solidFill>
+                  <a:srgbClr val="FFFF00"/>
+                </a:solidFill>
+              </a:rPr>
+              <a:t>senjata</a:t>
+            </a:r>
+            <a:r>
+              <a:rPr lang="en-US" sz="3200" dirty="0" smtClean="0">
+                <a:solidFill>
+                  <a:srgbClr val="FFFF00"/>
+                </a:solidFill>
+              </a:rPr>
+              <a:t> </a:t>
+            </a:r>
+            <a:r>
+              <a:rPr lang="en-US" sz="3200" dirty="0" err="1" smtClean="0">
+                <a:solidFill>
+                  <a:srgbClr val="FFFF00"/>
+                </a:solidFill>
+              </a:rPr>
+              <a:t>melaluli</a:t>
+            </a:r>
+            <a:r>
+              <a:rPr lang="en-US" sz="3200" dirty="0" smtClean="0">
+                <a:solidFill>
+                  <a:srgbClr val="FFFF00"/>
+                </a:solidFill>
+              </a:rPr>
+              <a:t> </a:t>
+            </a:r>
+            <a:r>
+              <a:rPr lang="en-US" sz="3200" dirty="0" err="1" smtClean="0">
+                <a:solidFill>
+                  <a:srgbClr val="FFFF00"/>
+                </a:solidFill>
+              </a:rPr>
+              <a:t>Hollgrehenn</a:t>
+            </a:r>
+            <a:r>
+              <a:rPr lang="en-US" sz="3200" dirty="0" smtClean="0">
+                <a:solidFill>
+                  <a:srgbClr val="FFFF00"/>
+                </a:solidFill>
+              </a:rPr>
+              <a:t> </a:t>
+            </a:r>
+            <a:r>
+              <a:rPr lang="en-US" sz="3200" dirty="0" err="1" smtClean="0">
+                <a:solidFill>
+                  <a:srgbClr val="FFFF00"/>
+                </a:solidFill>
+              </a:rPr>
+              <a:t>berpengaaruh</a:t>
+            </a:r>
+            <a:r>
+              <a:rPr lang="en-US" sz="3200" dirty="0" smtClean="0">
+                <a:solidFill>
+                  <a:srgbClr val="FFFF00"/>
+                </a:solidFill>
+              </a:rPr>
+              <a:t> </a:t>
+            </a:r>
+            <a:r>
+              <a:rPr lang="en-US" sz="3200" dirty="0" err="1" smtClean="0">
+                <a:solidFill>
+                  <a:srgbClr val="FFFF00"/>
+                </a:solidFill>
+              </a:rPr>
+              <a:t>terhadap</a:t>
+            </a:r>
+            <a:r>
+              <a:rPr lang="en-US" sz="3200" dirty="0" smtClean="0">
+                <a:solidFill>
+                  <a:srgbClr val="FFFF00"/>
+                </a:solidFill>
+              </a:rPr>
+              <a:t> </a:t>
+            </a:r>
+            <a:r>
+              <a:rPr lang="en-US" sz="3200" dirty="0" err="1" smtClean="0">
+                <a:solidFill>
+                  <a:srgbClr val="FFFF00"/>
+                </a:solidFill>
+              </a:rPr>
+              <a:t>Dex</a:t>
+            </a:r>
+            <a:r>
+              <a:rPr lang="en-US" sz="3200" dirty="0" smtClean="0">
+                <a:solidFill>
+                  <a:srgbClr val="FFFF00"/>
+                </a:solidFill>
+              </a:rPr>
+              <a:t> </a:t>
+            </a:r>
+            <a:r>
+              <a:rPr lang="en-US" sz="3200" dirty="0" err="1" smtClean="0">
+                <a:solidFill>
+                  <a:srgbClr val="FFFF00"/>
+                </a:solidFill>
+              </a:rPr>
+              <a:t>dan</a:t>
+            </a:r>
+            <a:r>
+              <a:rPr lang="en-US" sz="3200" dirty="0" smtClean="0">
+                <a:solidFill>
+                  <a:srgbClr val="FFFF00"/>
+                </a:solidFill>
+              </a:rPr>
+              <a:t> LUK, </a:t>
+            </a:r>
+            <a:r>
+              <a:rPr lang="en-US" sz="3200" dirty="0" err="1" smtClean="0">
+                <a:solidFill>
+                  <a:srgbClr val="FFFF00"/>
+                </a:solidFill>
+              </a:rPr>
+              <a:t>apakah</a:t>
+            </a:r>
+            <a:r>
+              <a:rPr lang="en-US" sz="3200" dirty="0" smtClean="0">
+                <a:solidFill>
+                  <a:srgbClr val="FFFF00"/>
+                </a:solidFill>
+              </a:rPr>
+              <a:t> </a:t>
+            </a:r>
+            <a:r>
+              <a:rPr lang="en-US" sz="3200" dirty="0" err="1" smtClean="0">
+                <a:solidFill>
+                  <a:srgbClr val="FFFF00"/>
+                </a:solidFill>
+              </a:rPr>
+              <a:t>menempa</a:t>
+            </a:r>
+            <a:r>
+              <a:rPr lang="en-US" sz="3200" dirty="0" smtClean="0">
+                <a:solidFill>
+                  <a:srgbClr val="FFFF00"/>
+                </a:solidFill>
+              </a:rPr>
+              <a:t> </a:t>
+            </a:r>
+            <a:r>
+              <a:rPr lang="en-US" sz="3200" dirty="0" err="1" smtClean="0">
+                <a:solidFill>
+                  <a:srgbClr val="FFFF00"/>
+                </a:solidFill>
+              </a:rPr>
+              <a:t>menggunakan</a:t>
+            </a:r>
+            <a:r>
+              <a:rPr lang="en-US" sz="3200" dirty="0" smtClean="0">
+                <a:solidFill>
+                  <a:srgbClr val="FFFF00"/>
+                </a:solidFill>
+              </a:rPr>
+              <a:t> skill “Weapon Refine”(</a:t>
+            </a:r>
+            <a:r>
+              <a:rPr lang="en-US" sz="3200" dirty="0" err="1" smtClean="0">
+                <a:solidFill>
+                  <a:srgbClr val="FFFF00"/>
+                </a:solidFill>
+              </a:rPr>
+              <a:t>whitesmit</a:t>
+            </a:r>
+            <a:r>
+              <a:rPr lang="en-US" sz="3200" dirty="0" smtClean="0">
+                <a:solidFill>
+                  <a:srgbClr val="FFFF00"/>
+                </a:solidFill>
+              </a:rPr>
+              <a:t>) </a:t>
+            </a:r>
+            <a:r>
+              <a:rPr lang="en-US" sz="3200" dirty="0" err="1" smtClean="0">
+                <a:solidFill>
+                  <a:srgbClr val="FFFF00"/>
+                </a:solidFill>
+              </a:rPr>
+              <a:t>tetap</a:t>
+            </a:r>
+            <a:r>
+              <a:rPr lang="en-US" sz="3200" dirty="0" smtClean="0">
+                <a:solidFill>
+                  <a:srgbClr val="FFFF00"/>
+                </a:solidFill>
+              </a:rPr>
+              <a:t> </a:t>
+            </a:r>
+            <a:r>
+              <a:rPr lang="en-US" sz="3200" dirty="0" err="1" smtClean="0">
+                <a:solidFill>
+                  <a:srgbClr val="FFFF00"/>
+                </a:solidFill>
+              </a:rPr>
+              <a:t>berpengaruh</a:t>
+            </a:r>
+            <a:r>
+              <a:rPr lang="en-US" sz="3200" dirty="0" smtClean="0">
+                <a:solidFill>
+                  <a:srgbClr val="FFFF00"/>
+                </a:solidFill>
+              </a:rPr>
+              <a:t> </a:t>
+            </a:r>
+            <a:r>
+              <a:rPr lang="en-US" sz="3200" dirty="0" err="1" smtClean="0">
+                <a:solidFill>
+                  <a:srgbClr val="FFFF00"/>
+                </a:solidFill>
+              </a:rPr>
+              <a:t>terhadap</a:t>
+            </a:r>
+            <a:r>
+              <a:rPr lang="en-US" sz="3200" dirty="0" smtClean="0">
+                <a:solidFill>
+                  <a:srgbClr val="FFFF00"/>
+                </a:solidFill>
+              </a:rPr>
+              <a:t> </a:t>
+            </a:r>
+            <a:r>
+              <a:rPr lang="en-US" sz="3200" dirty="0" err="1">
+                <a:solidFill>
+                  <a:srgbClr val="FFFF00"/>
+                </a:solidFill>
+              </a:rPr>
+              <a:t>D</a:t>
+            </a:r>
+            <a:r>
+              <a:rPr lang="en-US" sz="3200" dirty="0" err="1" smtClean="0">
+                <a:solidFill>
+                  <a:srgbClr val="FFFF00"/>
+                </a:solidFill>
+              </a:rPr>
+              <a:t>ex</a:t>
+            </a:r>
+            <a:r>
+              <a:rPr lang="en-US" sz="3200" dirty="0" smtClean="0">
+                <a:solidFill>
+                  <a:srgbClr val="FFFF00"/>
+                </a:solidFill>
+              </a:rPr>
+              <a:t> </a:t>
+            </a:r>
+            <a:r>
+              <a:rPr lang="en-US" sz="3200" dirty="0" err="1" smtClean="0">
+                <a:solidFill>
+                  <a:srgbClr val="FFFF00"/>
+                </a:solidFill>
+              </a:rPr>
+              <a:t>dan</a:t>
+            </a:r>
+            <a:r>
+              <a:rPr lang="en-US" sz="3200" dirty="0" smtClean="0">
+                <a:solidFill>
+                  <a:srgbClr val="FFFF00"/>
+                </a:solidFill>
+              </a:rPr>
+              <a:t> </a:t>
+            </a:r>
+            <a:r>
+              <a:rPr lang="en-US" sz="3200" dirty="0" err="1">
+                <a:solidFill>
+                  <a:srgbClr val="FFFF00"/>
+                </a:solidFill>
+              </a:rPr>
+              <a:t>L</a:t>
+            </a:r>
+            <a:r>
+              <a:rPr lang="en-US" sz="3200" dirty="0" err="1" smtClean="0">
+                <a:solidFill>
+                  <a:srgbClr val="FFFF00"/>
+                </a:solidFill>
+              </a:rPr>
+              <a:t>uk</a:t>
+            </a:r>
+            <a:r>
+              <a:rPr lang="en-US" sz="3200" dirty="0" smtClean="0">
+                <a:solidFill>
+                  <a:srgbClr val="FFFF00"/>
+                </a:solidFill>
+              </a:rPr>
+              <a:t>? Dan </a:t>
+            </a:r>
+            <a:r>
+              <a:rPr lang="en-US" sz="3200" dirty="0" err="1" smtClean="0">
+                <a:solidFill>
+                  <a:srgbClr val="FFFF00"/>
+                </a:solidFill>
+              </a:rPr>
+              <a:t>apakah</a:t>
+            </a:r>
+            <a:r>
+              <a:rPr lang="en-US" sz="3200" dirty="0" smtClean="0">
+                <a:solidFill>
+                  <a:srgbClr val="FFFF00"/>
+                </a:solidFill>
+              </a:rPr>
+              <a:t> </a:t>
+            </a:r>
+            <a:r>
+              <a:rPr lang="en-US" sz="3200" dirty="0" err="1" smtClean="0">
+                <a:solidFill>
+                  <a:srgbClr val="FFFF00"/>
+                </a:solidFill>
+              </a:rPr>
+              <a:t>menggunakan</a:t>
+            </a:r>
+            <a:r>
+              <a:rPr lang="en-US" sz="3200" dirty="0" smtClean="0">
+                <a:solidFill>
+                  <a:srgbClr val="FFFF00"/>
+                </a:solidFill>
+              </a:rPr>
+              <a:t> skill </a:t>
+            </a:r>
+            <a:r>
+              <a:rPr lang="en-US" sz="3200" dirty="0" err="1" smtClean="0">
+                <a:solidFill>
+                  <a:srgbClr val="FFFF00"/>
+                </a:solidFill>
+              </a:rPr>
+              <a:t>memiliki</a:t>
+            </a:r>
+            <a:r>
+              <a:rPr lang="en-US" sz="3200" dirty="0" smtClean="0">
+                <a:solidFill>
+                  <a:srgbClr val="FFFF00"/>
+                </a:solidFill>
+              </a:rPr>
+              <a:t> </a:t>
+            </a:r>
+            <a:r>
+              <a:rPr lang="en-US" sz="3200" dirty="0" err="1" smtClean="0">
+                <a:solidFill>
+                  <a:srgbClr val="FFFF00"/>
+                </a:solidFill>
+              </a:rPr>
+              <a:t>presentasi</a:t>
+            </a:r>
+            <a:r>
+              <a:rPr lang="en-US" sz="3200" dirty="0" smtClean="0">
+                <a:solidFill>
+                  <a:srgbClr val="FFFF00"/>
+                </a:solidFill>
+              </a:rPr>
+              <a:t> </a:t>
+            </a:r>
+            <a:r>
+              <a:rPr lang="en-US" sz="3200" dirty="0" err="1" smtClean="0">
+                <a:solidFill>
+                  <a:srgbClr val="FFFF00"/>
+                </a:solidFill>
+              </a:rPr>
+              <a:t>sukses</a:t>
+            </a:r>
+            <a:r>
+              <a:rPr lang="en-US" sz="3200" dirty="0" smtClean="0">
+                <a:solidFill>
+                  <a:srgbClr val="FFFF00"/>
+                </a:solidFill>
+              </a:rPr>
+              <a:t> </a:t>
+            </a:r>
+            <a:r>
+              <a:rPr lang="en-US" sz="3200" dirty="0" err="1" smtClean="0">
+                <a:solidFill>
+                  <a:srgbClr val="FFFF00"/>
+                </a:solidFill>
+              </a:rPr>
+              <a:t>lebih</a:t>
+            </a:r>
+            <a:r>
+              <a:rPr lang="en-US" sz="3200" dirty="0" smtClean="0">
+                <a:solidFill>
+                  <a:srgbClr val="FFFF00"/>
+                </a:solidFill>
+              </a:rPr>
+              <a:t> </a:t>
+            </a:r>
+            <a:r>
+              <a:rPr lang="en-US" sz="3200" dirty="0" err="1" smtClean="0">
+                <a:solidFill>
+                  <a:srgbClr val="FFFF00"/>
+                </a:solidFill>
+              </a:rPr>
+              <a:t>besar</a:t>
+            </a:r>
+            <a:r>
+              <a:rPr lang="en-US" sz="3200" dirty="0" smtClean="0">
+                <a:solidFill>
+                  <a:srgbClr val="FFFF00"/>
+                </a:solidFill>
+              </a:rPr>
+              <a:t> di </a:t>
+            </a:r>
+            <a:r>
+              <a:rPr lang="en-US" sz="3200" dirty="0" err="1" smtClean="0">
+                <a:solidFill>
+                  <a:srgbClr val="FFFF00"/>
+                </a:solidFill>
+              </a:rPr>
+              <a:t>bandingkan</a:t>
+            </a:r>
+            <a:r>
+              <a:rPr lang="en-US" sz="3200" dirty="0" smtClean="0">
+                <a:solidFill>
+                  <a:srgbClr val="FFFF00"/>
+                </a:solidFill>
+              </a:rPr>
+              <a:t> </a:t>
+            </a:r>
+            <a:r>
+              <a:rPr lang="en-US" sz="3200" dirty="0" err="1" smtClean="0">
+                <a:solidFill>
+                  <a:srgbClr val="FFFF00"/>
+                </a:solidFill>
+              </a:rPr>
+              <a:t>dengan</a:t>
+            </a:r>
+            <a:r>
+              <a:rPr lang="en-US" sz="3200" dirty="0" smtClean="0">
+                <a:solidFill>
+                  <a:srgbClr val="FFFF00"/>
+                </a:solidFill>
+              </a:rPr>
+              <a:t> </a:t>
+            </a:r>
+            <a:r>
+              <a:rPr lang="en-US" sz="3200" dirty="0" err="1" smtClean="0">
+                <a:solidFill>
+                  <a:srgbClr val="FFFF00"/>
+                </a:solidFill>
+              </a:rPr>
+              <a:t>hollgrehenn</a:t>
+            </a:r>
+            <a:r>
+              <a:rPr lang="en-US" sz="3200" dirty="0" smtClean="0">
+                <a:solidFill>
+                  <a:srgbClr val="FFFF00"/>
+                </a:solidFill>
+              </a:rPr>
+              <a:t> </a:t>
+            </a:r>
+            <a:r>
+              <a:rPr lang="en-US" sz="3200" dirty="0" err="1" smtClean="0">
+                <a:solidFill>
+                  <a:srgbClr val="FFFF00"/>
+                </a:solidFill>
+              </a:rPr>
+              <a:t>jika</a:t>
+            </a:r>
+            <a:r>
+              <a:rPr lang="en-US" sz="3200" dirty="0" smtClean="0">
+                <a:solidFill>
+                  <a:srgbClr val="FFFF00"/>
+                </a:solidFill>
+              </a:rPr>
+              <a:t> player </a:t>
+            </a:r>
+            <a:r>
+              <a:rPr lang="en-US" sz="3200" dirty="0" err="1" smtClean="0">
+                <a:solidFill>
+                  <a:srgbClr val="FFFF00"/>
+                </a:solidFill>
+              </a:rPr>
+              <a:t>berada</a:t>
+            </a:r>
+            <a:r>
+              <a:rPr lang="en-US" sz="3200" dirty="0" smtClean="0">
+                <a:solidFill>
+                  <a:srgbClr val="FFFF00"/>
+                </a:solidFill>
+              </a:rPr>
+              <a:t> </a:t>
+            </a:r>
+            <a:r>
+              <a:rPr lang="en-US" sz="3200" dirty="0" err="1" smtClean="0">
+                <a:solidFill>
+                  <a:srgbClr val="FFFF00"/>
+                </a:solidFill>
+              </a:rPr>
+              <a:t>pada</a:t>
+            </a:r>
+            <a:r>
+              <a:rPr lang="en-US" sz="3200" dirty="0" smtClean="0">
+                <a:solidFill>
+                  <a:srgbClr val="FFFF00"/>
+                </a:solidFill>
+              </a:rPr>
+              <a:t> level 50?</a:t>
+            </a:r>
+            <a:endParaRPr lang="en-US" sz="3200" dirty="0">
+              <a:solidFill>
+                <a:srgbClr val="FFFF00"/>
+              </a:solidFill>
+            </a:endParaRPr>
           </a:p>
         </p:txBody>
       </p:sp>
     </p:spTree>
     <p:extLst>
       <p:ext uri="{BB962C8B-B14F-4D97-AF65-F5344CB8AC3E}">
-        <p14:creationId xmlns:p14="http://schemas.microsoft.com/office/powerpoint/2010/main" val="2644535946"/>
+        <p14:creationId xmlns:p14="http://schemas.microsoft.com/office/powerpoint/2010/main" val="2248909219"/>
+      </p:ext>
+    </p:extLst>
+  </p:cSld>
+  <p:clrMapOvr>
+    <a:masterClrMapping/>
+  </p:clrMapOvr>
+</p:sld>
+</file>
+
+<file path=ppt/slides/slide4.xml><?xml version="1.0" encoding="utf-8"?>
+<p:sld xmlns:a="http://schemas.openxmlformats.org/drawingml/2006/main" xmlns:r="http://schemas.openxmlformats.org/officeDocument/2006/relationships" xmlns:p="http://schemas.openxmlformats.org/presentationml/2006/main">
+  <p:cSld>
+    <p:spTree>
+      <p:nvGrpSpPr>
+        <p:cNvPr id="1" name=""/>
+        <p:cNvGrpSpPr/>
+        <p:nvPr/>
+      </p:nvGrpSpPr>
+      <p:grpSpPr>
+        <a:xfrm>
+          <a:off x="0" y="0"/>
+          <a:ext cx="0" cy="0"/>
+          <a:chOff x="0" y="0"/>
+          <a:chExt cx="0" cy="0"/>
+        </a:xfrm>
+      </p:grpSpPr>
+      <p:pic>
+        <p:nvPicPr>
+          <p:cNvPr id="4" name="Picture 3"/>
+          <p:cNvPicPr>
+            <a:picLocks noChangeAspect="1"/>
+          </p:cNvPicPr>
+          <p:nvPr/>
+        </p:nvPicPr>
+        <p:blipFill>
+          <a:blip r:embed="rId2">
+            <a:extLst>
+              <a:ext uri="{28A0092B-C50C-407E-A947-70E740481C1C}">
+                <a14:useLocalDpi xmlns:a14="http://schemas.microsoft.com/office/drawing/2010/main" val="0"/>
+              </a:ext>
+            </a:extLst>
+          </a:blip>
+          <a:stretch>
+            <a:fillRect/>
+          </a:stretch>
+        </p:blipFill>
+        <p:spPr>
+          <a:xfrm>
+            <a:off x="0" y="0"/>
+            <a:ext cx="12192000" cy="6858000"/>
+          </a:xfrm>
+          <a:prstGeom prst="rect">
+            <a:avLst/>
+          </a:prstGeom>
+        </p:spPr>
+      </p:pic>
+      <p:pic>
+        <p:nvPicPr>
+          <p:cNvPr id="2" name="Picture 1"/>
+          <p:cNvPicPr>
+            <a:picLocks noChangeAspect="1"/>
+          </p:cNvPicPr>
+          <p:nvPr/>
+        </p:nvPicPr>
+        <p:blipFill>
+          <a:blip r:embed="rId3"/>
+          <a:stretch>
+            <a:fillRect/>
+          </a:stretch>
+        </p:blipFill>
+        <p:spPr>
+          <a:xfrm>
+            <a:off x="2535967" y="724029"/>
+            <a:ext cx="6724650" cy="4371975"/>
+          </a:xfrm>
+          <a:prstGeom prst="rect">
+            <a:avLst/>
+          </a:prstGeom>
+        </p:spPr>
+      </p:pic>
+    </p:spTree>
+    <p:extLst>
+      <p:ext uri="{BB962C8B-B14F-4D97-AF65-F5344CB8AC3E}">
+        <p14:creationId xmlns:p14="http://schemas.microsoft.com/office/powerpoint/2010/main" val="820876766"/>
+      </p:ext>
+    </p:extLst>
+  </p:cSld>
+  <p:clrMapOvr>
+    <a:masterClrMapping/>
+  </p:clrMapOvr>
+</p:sld>
+</file>
+
+<file path=ppt/slides/slide5.xml><?xml version="1.0" encoding="utf-8"?>
+<p:sld xmlns:a="http://schemas.openxmlformats.org/drawingml/2006/main" xmlns:r="http://schemas.openxmlformats.org/officeDocument/2006/relationships" xmlns:p="http://schemas.openxmlformats.org/presentationml/2006/main">
+  <p:cSld>
+    <p:spTree>
+      <p:nvGrpSpPr>
+        <p:cNvPr id="1" name=""/>
+        <p:cNvGrpSpPr/>
+        <p:nvPr/>
+      </p:nvGrpSpPr>
+      <p:grpSpPr>
+        <a:xfrm>
+          <a:off x="0" y="0"/>
+          <a:ext cx="0" cy="0"/>
+          <a:chOff x="0" y="0"/>
+          <a:chExt cx="0" cy="0"/>
+        </a:xfrm>
+      </p:grpSpPr>
+      <p:pic>
+        <p:nvPicPr>
+          <p:cNvPr id="4" name="Picture 3"/>
+          <p:cNvPicPr>
+            <a:picLocks noChangeAspect="1"/>
+          </p:cNvPicPr>
+          <p:nvPr/>
+        </p:nvPicPr>
+        <p:blipFill>
+          <a:blip r:embed="rId2">
+            <a:extLst>
+              <a:ext uri="{28A0092B-C50C-407E-A947-70E740481C1C}">
+                <a14:useLocalDpi xmlns:a14="http://schemas.microsoft.com/office/drawing/2010/main" val="0"/>
+              </a:ext>
+            </a:extLst>
+          </a:blip>
+          <a:stretch>
+            <a:fillRect/>
+          </a:stretch>
+        </p:blipFill>
+        <p:spPr>
+          <a:xfrm>
+            <a:off x="1" y="0"/>
+            <a:ext cx="12645080" cy="7282249"/>
+          </a:xfrm>
+          <a:prstGeom prst="rect">
+            <a:avLst/>
+          </a:prstGeom>
+        </p:spPr>
+      </p:pic>
+      <p:sp>
+        <p:nvSpPr>
+          <p:cNvPr id="5" name="TextBox 4"/>
+          <p:cNvSpPr txBox="1"/>
+          <p:nvPr/>
+        </p:nvSpPr>
+        <p:spPr>
+          <a:xfrm>
+            <a:off x="123568" y="2331308"/>
+            <a:ext cx="11593815" cy="1384995"/>
+          </a:xfrm>
+          <a:prstGeom prst="rect">
+            <a:avLst/>
+          </a:prstGeom>
+          <a:noFill/>
+        </p:spPr>
+        <p:txBody>
+          <a:bodyPr wrap="none" rtlCol="0">
+            <a:spAutoFit/>
+          </a:bodyPr>
+          <a:lstStyle/>
+          <a:p>
+            <a:r>
+              <a:rPr lang="en-US" sz="4200" dirty="0" err="1" smtClean="0">
+                <a:solidFill>
+                  <a:srgbClr val="FF0000"/>
+                </a:solidFill>
+              </a:rPr>
+              <a:t>Apakah</a:t>
+            </a:r>
+            <a:r>
+              <a:rPr lang="en-US" sz="4200" dirty="0" smtClean="0">
+                <a:solidFill>
+                  <a:srgbClr val="FF0000"/>
+                </a:solidFill>
+              </a:rPr>
+              <a:t> </a:t>
+            </a:r>
+            <a:r>
+              <a:rPr lang="en-US" sz="4200" dirty="0" err="1" smtClean="0">
+                <a:solidFill>
+                  <a:srgbClr val="FF0000"/>
+                </a:solidFill>
+              </a:rPr>
+              <a:t>menangkap</a:t>
+            </a:r>
+            <a:r>
+              <a:rPr lang="en-US" sz="4200" dirty="0" smtClean="0">
+                <a:solidFill>
+                  <a:srgbClr val="FF0000"/>
+                </a:solidFill>
+              </a:rPr>
+              <a:t> </a:t>
+            </a:r>
+            <a:r>
+              <a:rPr lang="en-US" sz="4200" dirty="0" err="1" smtClean="0">
+                <a:solidFill>
+                  <a:srgbClr val="FF0000"/>
+                </a:solidFill>
+              </a:rPr>
+              <a:t>pokemon</a:t>
+            </a:r>
+            <a:r>
+              <a:rPr lang="en-US" sz="4200" dirty="0" smtClean="0">
+                <a:solidFill>
+                  <a:srgbClr val="FF0000"/>
+                </a:solidFill>
+              </a:rPr>
+              <a:t> </a:t>
+            </a:r>
+            <a:r>
+              <a:rPr lang="en-US" sz="4200" dirty="0" err="1" smtClean="0">
+                <a:solidFill>
+                  <a:srgbClr val="FF0000"/>
+                </a:solidFill>
+              </a:rPr>
+              <a:t>memiliki</a:t>
+            </a:r>
+            <a:r>
+              <a:rPr lang="en-US" sz="4200" dirty="0" smtClean="0">
+                <a:solidFill>
+                  <a:srgbClr val="FF0000"/>
+                </a:solidFill>
+              </a:rPr>
+              <a:t> formula </a:t>
+            </a:r>
+            <a:r>
+              <a:rPr lang="en-US" sz="4200" dirty="0" err="1" smtClean="0">
+                <a:solidFill>
+                  <a:srgbClr val="FF0000"/>
+                </a:solidFill>
+              </a:rPr>
+              <a:t>atau</a:t>
+            </a:r>
+            <a:endParaRPr lang="en-US" sz="4200" dirty="0" smtClean="0">
+              <a:solidFill>
+                <a:srgbClr val="FF0000"/>
+              </a:solidFill>
+            </a:endParaRPr>
+          </a:p>
+          <a:p>
+            <a:r>
+              <a:rPr lang="en-US" sz="4200" dirty="0" smtClean="0">
+                <a:solidFill>
+                  <a:srgbClr val="FF0000"/>
+                </a:solidFill>
+              </a:rPr>
+              <a:t> </a:t>
+            </a:r>
+            <a:r>
+              <a:rPr lang="en-US" sz="4200" dirty="0" err="1" smtClean="0">
+                <a:solidFill>
+                  <a:srgbClr val="FF0000"/>
+                </a:solidFill>
+              </a:rPr>
+              <a:t>hanya</a:t>
+            </a:r>
+            <a:r>
+              <a:rPr lang="en-US" sz="4200" dirty="0" smtClean="0">
+                <a:solidFill>
+                  <a:srgbClr val="FF0000"/>
+                </a:solidFill>
+              </a:rPr>
+              <a:t> </a:t>
+            </a:r>
+            <a:r>
+              <a:rPr lang="en-US" sz="4200" dirty="0" err="1" smtClean="0">
+                <a:solidFill>
+                  <a:srgbClr val="FF0000"/>
+                </a:solidFill>
+              </a:rPr>
+              <a:t>mekanisme</a:t>
+            </a:r>
+            <a:r>
+              <a:rPr lang="en-US" sz="4200" dirty="0" smtClean="0">
+                <a:solidFill>
+                  <a:srgbClr val="FF0000"/>
+                </a:solidFill>
+              </a:rPr>
+              <a:t> random </a:t>
+            </a:r>
+            <a:r>
+              <a:rPr lang="en-US" sz="4200" dirty="0" err="1" smtClean="0">
+                <a:solidFill>
+                  <a:srgbClr val="FF0000"/>
+                </a:solidFill>
+              </a:rPr>
+              <a:t>biasa</a:t>
+            </a:r>
+            <a:r>
+              <a:rPr lang="en-US" sz="4200" dirty="0" smtClean="0">
+                <a:solidFill>
+                  <a:srgbClr val="FF0000"/>
+                </a:solidFill>
+              </a:rPr>
+              <a:t>?</a:t>
+            </a:r>
+            <a:endParaRPr lang="en-US" sz="4200" dirty="0">
+              <a:solidFill>
+                <a:srgbClr val="FF0000"/>
+              </a:solidFill>
+            </a:endParaRPr>
+          </a:p>
+        </p:txBody>
+      </p:sp>
+    </p:spTree>
+    <p:extLst>
+      <p:ext uri="{BB962C8B-B14F-4D97-AF65-F5344CB8AC3E}">
+        <p14:creationId xmlns:p14="http://schemas.microsoft.com/office/powerpoint/2010/main" val="1289201095"/>
+      </p:ext>
+    </p:extLst>
+  </p:cSld>
+  <p:clrMapOvr>
+    <a:masterClrMapping/>
+  </p:clrMapOvr>
+</p:sld>
+</file>
+
+<file path=ppt/slides/slide6.xml><?xml version="1.0" encoding="utf-8"?>
+<p:sld xmlns:a="http://schemas.openxmlformats.org/drawingml/2006/main" xmlns:r="http://schemas.openxmlformats.org/officeDocument/2006/relationships" xmlns:p="http://schemas.openxmlformats.org/presentationml/2006/main">
+  <p:cSld>
+    <p:spTree>
+      <p:nvGrpSpPr>
+        <p:cNvPr id="1" name=""/>
+        <p:cNvGrpSpPr/>
+        <p:nvPr/>
+      </p:nvGrpSpPr>
+      <p:grpSpPr>
+        <a:xfrm>
+          <a:off x="0" y="0"/>
+          <a:ext cx="0" cy="0"/>
+          <a:chOff x="0" y="0"/>
+          <a:chExt cx="0" cy="0"/>
+        </a:xfrm>
+      </p:grpSpPr>
+      <p:pic>
+        <p:nvPicPr>
+          <p:cNvPr id="4" name="Picture 3"/>
+          <p:cNvPicPr>
+            <a:picLocks noChangeAspect="1"/>
+          </p:cNvPicPr>
+          <p:nvPr/>
+        </p:nvPicPr>
+        <p:blipFill>
+          <a:blip r:embed="rId2">
+            <a:extLst>
+              <a:ext uri="{28A0092B-C50C-407E-A947-70E740481C1C}">
+                <a14:useLocalDpi xmlns:a14="http://schemas.microsoft.com/office/drawing/2010/main" val="0"/>
+              </a:ext>
+            </a:extLst>
+          </a:blip>
+          <a:stretch>
+            <a:fillRect/>
+          </a:stretch>
+        </p:blipFill>
+        <p:spPr>
+          <a:xfrm>
+            <a:off x="436091" y="292700"/>
+            <a:ext cx="4762500" cy="6305550"/>
+          </a:xfrm>
+          <a:prstGeom prst="rect">
+            <a:avLst/>
+          </a:prstGeom>
+        </p:spPr>
+      </p:pic>
+      <p:pic>
+        <p:nvPicPr>
+          <p:cNvPr id="5" name="Picture 4"/>
+          <p:cNvPicPr>
+            <a:picLocks noChangeAspect="1"/>
+          </p:cNvPicPr>
+          <p:nvPr/>
+        </p:nvPicPr>
+        <p:blipFill>
+          <a:blip r:embed="rId3">
+            <a:extLst>
+              <a:ext uri="{28A0092B-C50C-407E-A947-70E740481C1C}">
+                <a14:useLocalDpi xmlns:a14="http://schemas.microsoft.com/office/drawing/2010/main" val="0"/>
+              </a:ext>
+            </a:extLst>
+          </a:blip>
+          <a:stretch>
+            <a:fillRect/>
+          </a:stretch>
+        </p:blipFill>
+        <p:spPr>
+          <a:xfrm>
+            <a:off x="5440476" y="696179"/>
+            <a:ext cx="6616216" cy="4592432"/>
+          </a:xfrm>
+          <a:prstGeom prst="rect">
+            <a:avLst/>
+          </a:prstGeom>
+        </p:spPr>
+      </p:pic>
+    </p:spTree>
+    <p:extLst>
+      <p:ext uri="{BB962C8B-B14F-4D97-AF65-F5344CB8AC3E}">
+        <p14:creationId xmlns:p14="http://schemas.microsoft.com/office/powerpoint/2010/main" val="3003709036"/>
+      </p:ext>
+    </p:extLst>
+  </p:cSld>
+  <p:clrMapOvr>
+    <a:masterClrMapping/>
+  </p:clrMapOvr>
+</p:sld>
+</file>
+
+<file path=ppt/slides/slide7.xml><?xml version="1.0" encoding="utf-8"?>
+<p:sld xmlns:a="http://schemas.openxmlformats.org/drawingml/2006/main" xmlns:r="http://schemas.openxmlformats.org/officeDocument/2006/relationships" xmlns:p="http://schemas.openxmlformats.org/presentationml/2006/main">
+  <p:cSld>
+    <p:spTree>
+      <p:nvGrpSpPr>
+        <p:cNvPr id="1" name=""/>
+        <p:cNvGrpSpPr/>
+        <p:nvPr/>
+      </p:nvGrpSpPr>
+      <p:grpSpPr>
+        <a:xfrm>
+          <a:off x="0" y="0"/>
+          <a:ext cx="0" cy="0"/>
+          <a:chOff x="0" y="0"/>
+          <a:chExt cx="0" cy="0"/>
+        </a:xfrm>
+      </p:grpSpPr>
+      <p:pic>
+        <p:nvPicPr>
+          <p:cNvPr id="4" name="Picture 3"/>
+          <p:cNvPicPr>
+            <a:picLocks noChangeAspect="1"/>
+          </p:cNvPicPr>
+          <p:nvPr/>
+        </p:nvPicPr>
+        <p:blipFill>
+          <a:blip r:embed="rId2">
+            <a:extLst>
+              <a:ext uri="{28A0092B-C50C-407E-A947-70E740481C1C}">
+                <a14:useLocalDpi xmlns:a14="http://schemas.microsoft.com/office/drawing/2010/main" val="0"/>
+              </a:ext>
+            </a:extLst>
+          </a:blip>
+          <a:stretch>
+            <a:fillRect/>
+          </a:stretch>
+        </p:blipFill>
+        <p:spPr>
+          <a:xfrm>
+            <a:off x="0" y="0"/>
+            <a:ext cx="12192000" cy="6857999"/>
+          </a:xfrm>
+          <a:prstGeom prst="rect">
+            <a:avLst/>
+          </a:prstGeom>
+        </p:spPr>
+      </p:pic>
+      <p:sp>
+        <p:nvSpPr>
+          <p:cNvPr id="5" name="TextBox 4"/>
+          <p:cNvSpPr txBox="1"/>
+          <p:nvPr/>
+        </p:nvSpPr>
+        <p:spPr>
+          <a:xfrm>
+            <a:off x="667263" y="1771136"/>
+            <a:ext cx="11178748" cy="2031325"/>
+          </a:xfrm>
+          <a:prstGeom prst="rect">
+            <a:avLst/>
+          </a:prstGeom>
+          <a:noFill/>
+        </p:spPr>
+        <p:txBody>
+          <a:bodyPr wrap="square" rtlCol="0">
+            <a:spAutoFit/>
+          </a:bodyPr>
+          <a:lstStyle/>
+          <a:p>
+            <a:r>
+              <a:rPr lang="en-US" sz="4200" dirty="0" err="1" smtClean="0">
+                <a:solidFill>
+                  <a:schemeClr val="bg1"/>
+                </a:solidFill>
+              </a:rPr>
+              <a:t>B</a:t>
+            </a:r>
+            <a:r>
+              <a:rPr lang="en-US" sz="4200" dirty="0" err="1">
+                <a:solidFill>
+                  <a:schemeClr val="bg1"/>
+                </a:solidFill>
+              </a:rPr>
+              <a:t>e</a:t>
+            </a:r>
+            <a:r>
+              <a:rPr lang="en-US" sz="4200" dirty="0" err="1" smtClean="0">
+                <a:solidFill>
+                  <a:schemeClr val="bg1"/>
+                </a:solidFill>
+              </a:rPr>
+              <a:t>berapa</a:t>
+            </a:r>
+            <a:r>
+              <a:rPr lang="en-US" sz="4200" dirty="0" smtClean="0">
+                <a:solidFill>
+                  <a:schemeClr val="bg1"/>
+                </a:solidFill>
+              </a:rPr>
+              <a:t> </a:t>
+            </a:r>
+            <a:r>
+              <a:rPr lang="en-US" sz="4200" dirty="0" err="1" smtClean="0">
+                <a:solidFill>
+                  <a:schemeClr val="bg1"/>
+                </a:solidFill>
+              </a:rPr>
+              <a:t>artikel</a:t>
+            </a:r>
+            <a:r>
+              <a:rPr lang="en-US" sz="4200" dirty="0" smtClean="0">
+                <a:solidFill>
+                  <a:schemeClr val="bg1"/>
+                </a:solidFill>
+              </a:rPr>
+              <a:t> </a:t>
+            </a:r>
+            <a:r>
+              <a:rPr lang="en-US" sz="4200" dirty="0" err="1" smtClean="0">
+                <a:solidFill>
+                  <a:schemeClr val="bg1"/>
+                </a:solidFill>
+              </a:rPr>
+              <a:t>menayakan</a:t>
+            </a:r>
+            <a:r>
+              <a:rPr lang="en-US" sz="4200" dirty="0" smtClean="0">
+                <a:solidFill>
+                  <a:schemeClr val="bg1"/>
+                </a:solidFill>
+              </a:rPr>
+              <a:t> game candy crush </a:t>
+            </a:r>
+            <a:r>
+              <a:rPr lang="en-US" sz="4200" dirty="0" err="1" smtClean="0">
+                <a:solidFill>
+                  <a:schemeClr val="bg1"/>
+                </a:solidFill>
+              </a:rPr>
+              <a:t>susah</a:t>
+            </a:r>
+            <a:r>
+              <a:rPr lang="en-US" sz="4200" dirty="0" smtClean="0">
+                <a:solidFill>
+                  <a:schemeClr val="bg1"/>
+                </a:solidFill>
+              </a:rPr>
+              <a:t> ,</a:t>
+            </a:r>
+            <a:r>
+              <a:rPr lang="en-US" sz="4200" dirty="0" err="1" smtClean="0">
+                <a:solidFill>
+                  <a:schemeClr val="bg1"/>
+                </a:solidFill>
+              </a:rPr>
+              <a:t>apakah</a:t>
+            </a:r>
+            <a:r>
+              <a:rPr lang="en-US" sz="4200" dirty="0" smtClean="0">
+                <a:solidFill>
+                  <a:schemeClr val="bg1"/>
+                </a:solidFill>
+              </a:rPr>
+              <a:t> </a:t>
+            </a:r>
+            <a:r>
+              <a:rPr lang="en-US" sz="4200" dirty="0" err="1" smtClean="0">
+                <a:solidFill>
+                  <a:schemeClr val="bg1"/>
+                </a:solidFill>
+              </a:rPr>
+              <a:t>perhitugan</a:t>
+            </a:r>
+            <a:r>
+              <a:rPr lang="en-US" sz="4200" dirty="0" smtClean="0">
+                <a:solidFill>
+                  <a:schemeClr val="bg1"/>
+                </a:solidFill>
+              </a:rPr>
+              <a:t> </a:t>
+            </a:r>
+            <a:r>
+              <a:rPr lang="en-US" sz="4200" dirty="0" err="1" smtClean="0">
+                <a:solidFill>
+                  <a:schemeClr val="bg1"/>
+                </a:solidFill>
+              </a:rPr>
+              <a:t>unsur</a:t>
+            </a:r>
+            <a:r>
+              <a:rPr lang="en-US" sz="4200" dirty="0" smtClean="0">
+                <a:solidFill>
+                  <a:schemeClr val="bg1"/>
+                </a:solidFill>
+              </a:rPr>
+              <a:t> </a:t>
+            </a:r>
+            <a:r>
+              <a:rPr lang="en-US" sz="4200" dirty="0" err="1" smtClean="0">
+                <a:solidFill>
+                  <a:schemeClr val="bg1"/>
+                </a:solidFill>
+              </a:rPr>
+              <a:t>matematika</a:t>
+            </a:r>
+            <a:r>
+              <a:rPr lang="en-US" sz="4200" dirty="0" smtClean="0">
+                <a:solidFill>
+                  <a:schemeClr val="bg1"/>
+                </a:solidFill>
+              </a:rPr>
+              <a:t> yang </a:t>
+            </a:r>
+            <a:r>
+              <a:rPr lang="en-US" sz="4200" dirty="0" err="1" smtClean="0">
+                <a:solidFill>
+                  <a:schemeClr val="bg1"/>
+                </a:solidFill>
+              </a:rPr>
+              <a:t>membuat</a:t>
+            </a:r>
+            <a:r>
+              <a:rPr lang="en-US" sz="4200" dirty="0" smtClean="0">
+                <a:solidFill>
+                  <a:schemeClr val="bg1"/>
+                </a:solidFill>
+              </a:rPr>
+              <a:t> game </a:t>
+            </a:r>
+            <a:r>
+              <a:rPr lang="en-US" sz="4200" dirty="0" err="1" smtClean="0">
+                <a:solidFill>
+                  <a:schemeClr val="bg1"/>
+                </a:solidFill>
+              </a:rPr>
+              <a:t>ini</a:t>
+            </a:r>
+            <a:r>
+              <a:rPr lang="en-US" sz="4200" dirty="0" smtClean="0">
+                <a:solidFill>
+                  <a:schemeClr val="bg1"/>
+                </a:solidFill>
+              </a:rPr>
+              <a:t> </a:t>
+            </a:r>
+            <a:r>
+              <a:rPr lang="en-US" sz="4200" dirty="0" err="1" smtClean="0">
+                <a:solidFill>
+                  <a:schemeClr val="bg1"/>
+                </a:solidFill>
+              </a:rPr>
+              <a:t>susah</a:t>
+            </a:r>
+            <a:r>
+              <a:rPr lang="en-US" sz="4200" dirty="0" smtClean="0">
+                <a:solidFill>
+                  <a:schemeClr val="bg1"/>
+                </a:solidFill>
+              </a:rPr>
+              <a:t>??</a:t>
+            </a:r>
+            <a:endParaRPr lang="en-US" sz="4200" dirty="0">
+              <a:solidFill>
+                <a:schemeClr val="bg1"/>
+              </a:solidFill>
+            </a:endParaRPr>
+          </a:p>
+        </p:txBody>
+      </p:sp>
+    </p:spTree>
+    <p:extLst>
+      <p:ext uri="{BB962C8B-B14F-4D97-AF65-F5344CB8AC3E}">
+        <p14:creationId xmlns:p14="http://schemas.microsoft.com/office/powerpoint/2010/main" val="4113961278"/>
+      </p:ext>
+    </p:extLst>
+  </p:cSld>
+  <p:clrMapOvr>
+    <a:masterClrMapping/>
+  </p:clrMapOvr>
+</p:sld>
+</file>
+
+<file path=ppt/slides/slide8.xml><?xml version="1.0" encoding="utf-8"?>
+<p:sld xmlns:a="http://schemas.openxmlformats.org/drawingml/2006/main" xmlns:r="http://schemas.openxmlformats.org/officeDocument/2006/relationships" xmlns:p="http://schemas.openxmlformats.org/presentationml/2006/main">
+  <p:cSld>
+    <p:spTree>
+      <p:nvGrpSpPr>
+        <p:cNvPr id="1" name=""/>
+        <p:cNvGrpSpPr/>
+        <p:nvPr/>
+      </p:nvGrpSpPr>
+      <p:grpSpPr>
+        <a:xfrm>
+          <a:off x="0" y="0"/>
+          <a:ext cx="0" cy="0"/>
+          <a:chOff x="0" y="0"/>
+          <a:chExt cx="0" cy="0"/>
+        </a:xfrm>
+      </p:grpSpPr>
+      <p:pic>
+        <p:nvPicPr>
+          <p:cNvPr id="4" name="Picture 3"/>
+          <p:cNvPicPr>
+            <a:picLocks noChangeAspect="1"/>
+          </p:cNvPicPr>
+          <p:nvPr/>
+        </p:nvPicPr>
+        <p:blipFill>
+          <a:blip r:embed="rId2">
+            <a:extLst>
+              <a:ext uri="{28A0092B-C50C-407E-A947-70E740481C1C}">
+                <a14:useLocalDpi xmlns:a14="http://schemas.microsoft.com/office/drawing/2010/main" val="0"/>
+              </a:ext>
+            </a:extLst>
+          </a:blip>
+          <a:stretch>
+            <a:fillRect/>
+          </a:stretch>
+        </p:blipFill>
+        <p:spPr>
+          <a:xfrm>
+            <a:off x="0" y="0"/>
+            <a:ext cx="12192000" cy="4282840"/>
+          </a:xfrm>
+          <a:prstGeom prst="rect">
+            <a:avLst/>
+          </a:prstGeom>
+        </p:spPr>
+      </p:pic>
+      <p:sp>
+        <p:nvSpPr>
+          <p:cNvPr id="3" name="Content Placeholder 2"/>
+          <p:cNvSpPr>
+            <a:spLocks noGrp="1"/>
+          </p:cNvSpPr>
+          <p:nvPr>
+            <p:ph idx="1"/>
+          </p:nvPr>
+        </p:nvSpPr>
+        <p:spPr>
+          <a:xfrm>
+            <a:off x="970006" y="4682331"/>
+            <a:ext cx="10515600" cy="4351338"/>
+          </a:xfrm>
+        </p:spPr>
+        <p:txBody>
+          <a:bodyPr/>
+          <a:lstStyle/>
+          <a:p>
+            <a:r>
+              <a:rPr lang="en-US" dirty="0" smtClean="0">
+                <a:hlinkClick r:id="rId3"/>
+              </a:rPr>
+              <a:t>http://www.dailymail.co.uk/sciencetech/article-2579306/Its-official-Candy-Crush-HARD-Study-reveals-game-belongs-group-complex-mathematical-problems.html</a:t>
+            </a:r>
+            <a:endParaRPr lang="en-US" dirty="0" smtClean="0"/>
+          </a:p>
+          <a:p>
+            <a:r>
+              <a:rPr lang="en-US" dirty="0" smtClean="0"/>
+              <a:t>http://arxiv.org/abs/1403.1911</a:t>
+            </a:r>
+            <a:endParaRPr lang="en-US" dirty="0"/>
+          </a:p>
+        </p:txBody>
+      </p:sp>
+    </p:spTree>
+    <p:extLst>
+      <p:ext uri="{BB962C8B-B14F-4D97-AF65-F5344CB8AC3E}">
+        <p14:creationId xmlns:p14="http://schemas.microsoft.com/office/powerpoint/2010/main" val="2096099075"/>
+      </p:ext>
+    </p:extLst>
+  </p:cSld>
+  <p:clrMapOvr>
+    <a:masterClrMapping/>
+  </p:clrMapOvr>
+</p:sld>
+</file>
+
+<file path=ppt/slides/slide9.xml><?xml version="1.0" encoding="utf-8"?>
+<p:sld xmlns:a="http://schemas.openxmlformats.org/drawingml/2006/main" xmlns:r="http://schemas.openxmlformats.org/officeDocument/2006/relationships" xmlns:p="http://schemas.openxmlformats.org/presentationml/2006/main">
+  <p:cSld>
+    <p:spTree>
+      <p:nvGrpSpPr>
+        <p:cNvPr id="1" name=""/>
+        <p:cNvGrpSpPr/>
+        <p:nvPr/>
+      </p:nvGrpSpPr>
+      <p:grpSpPr>
+        <a:xfrm>
+          <a:off x="0" y="0"/>
+          <a:ext cx="0" cy="0"/>
+          <a:chOff x="0" y="0"/>
+          <a:chExt cx="0" cy="0"/>
+        </a:xfrm>
+      </p:grpSpPr>
+      <p:pic>
+        <p:nvPicPr>
+          <p:cNvPr id="4" name="Picture 3"/>
+          <p:cNvPicPr>
+            <a:picLocks noChangeAspect="1"/>
+          </p:cNvPicPr>
+          <p:nvPr/>
+        </p:nvPicPr>
+        <p:blipFill>
+          <a:blip r:embed="rId2">
+            <a:extLst>
+              <a:ext uri="{28A0092B-C50C-407E-A947-70E740481C1C}">
+                <a14:useLocalDpi xmlns:a14="http://schemas.microsoft.com/office/drawing/2010/main" val="0"/>
+              </a:ext>
+            </a:extLst>
+          </a:blip>
+          <a:stretch>
+            <a:fillRect/>
+          </a:stretch>
+        </p:blipFill>
+        <p:spPr>
+          <a:xfrm>
+            <a:off x="0" y="0"/>
+            <a:ext cx="12192000" cy="6858000"/>
+          </a:xfrm>
+          <a:prstGeom prst="rect">
+            <a:avLst/>
+          </a:prstGeom>
+        </p:spPr>
+      </p:pic>
+      <p:pic>
+        <p:nvPicPr>
+          <p:cNvPr id="5" name="Picture 4"/>
+          <p:cNvPicPr>
+            <a:picLocks noChangeAspect="1"/>
+          </p:cNvPicPr>
+          <p:nvPr/>
+        </p:nvPicPr>
+        <p:blipFill>
+          <a:blip r:embed="rId3"/>
+          <a:stretch>
+            <a:fillRect/>
+          </a:stretch>
+        </p:blipFill>
+        <p:spPr>
+          <a:xfrm>
+            <a:off x="4162682" y="545757"/>
+            <a:ext cx="3009900" cy="2438400"/>
+          </a:xfrm>
+          <a:prstGeom prst="rect">
+            <a:avLst/>
+          </a:prstGeom>
+        </p:spPr>
+      </p:pic>
+      <p:sp>
+        <p:nvSpPr>
+          <p:cNvPr id="6" name="TextBox 5"/>
+          <p:cNvSpPr txBox="1"/>
+          <p:nvPr/>
+        </p:nvSpPr>
+        <p:spPr>
+          <a:xfrm>
+            <a:off x="2759676" y="4044778"/>
+            <a:ext cx="6384324" cy="2031325"/>
+          </a:xfrm>
+          <a:prstGeom prst="rect">
+            <a:avLst/>
+          </a:prstGeom>
+          <a:noFill/>
+        </p:spPr>
+        <p:txBody>
+          <a:bodyPr wrap="square" rtlCol="0">
+            <a:spAutoFit/>
+          </a:bodyPr>
+          <a:lstStyle/>
+          <a:p>
+            <a:r>
+              <a:rPr lang="en-US" sz="4200" dirty="0" err="1" smtClean="0">
+                <a:solidFill>
+                  <a:schemeClr val="bg1"/>
+                </a:solidFill>
+              </a:rPr>
+              <a:t>Apakah</a:t>
+            </a:r>
+            <a:r>
+              <a:rPr lang="en-US" sz="4200" dirty="0" smtClean="0">
+                <a:solidFill>
+                  <a:schemeClr val="bg1"/>
+                </a:solidFill>
+              </a:rPr>
+              <a:t> </a:t>
+            </a:r>
+            <a:r>
+              <a:rPr lang="en-US" sz="4200" dirty="0" err="1" smtClean="0">
+                <a:solidFill>
+                  <a:schemeClr val="bg1"/>
+                </a:solidFill>
+              </a:rPr>
+              <a:t>benar</a:t>
+            </a:r>
+            <a:r>
+              <a:rPr lang="en-US" sz="4200" dirty="0" smtClean="0">
+                <a:solidFill>
+                  <a:schemeClr val="bg1"/>
+                </a:solidFill>
+              </a:rPr>
+              <a:t> formula di </a:t>
+            </a:r>
+            <a:r>
+              <a:rPr lang="en-US" sz="4200" dirty="0" err="1" smtClean="0">
+                <a:solidFill>
+                  <a:schemeClr val="bg1"/>
+                </a:solidFill>
+              </a:rPr>
+              <a:t>atas</a:t>
+            </a:r>
+            <a:r>
+              <a:rPr lang="en-US" sz="4200" dirty="0" smtClean="0">
+                <a:solidFill>
+                  <a:schemeClr val="bg1"/>
+                </a:solidFill>
+              </a:rPr>
+              <a:t> di </a:t>
+            </a:r>
+            <a:r>
+              <a:rPr lang="en-US" sz="4200" dirty="0" err="1" smtClean="0">
+                <a:solidFill>
+                  <a:schemeClr val="bg1"/>
+                </a:solidFill>
+              </a:rPr>
+              <a:t>gunakan</a:t>
+            </a:r>
+            <a:r>
+              <a:rPr lang="en-US" sz="4200" dirty="0" smtClean="0">
+                <a:solidFill>
+                  <a:schemeClr val="bg1"/>
+                </a:solidFill>
+              </a:rPr>
+              <a:t> </a:t>
+            </a:r>
+            <a:r>
+              <a:rPr lang="en-US" sz="4200" dirty="0" err="1" smtClean="0">
+                <a:solidFill>
+                  <a:schemeClr val="bg1"/>
+                </a:solidFill>
+              </a:rPr>
+              <a:t>unutk</a:t>
+            </a:r>
+            <a:r>
+              <a:rPr lang="en-US" sz="4200" dirty="0" smtClean="0">
+                <a:solidFill>
+                  <a:schemeClr val="bg1"/>
+                </a:solidFill>
+              </a:rPr>
+              <a:t> game </a:t>
+            </a:r>
+            <a:r>
+              <a:rPr lang="en-US" sz="4200" dirty="0" err="1" smtClean="0">
+                <a:solidFill>
+                  <a:schemeClr val="bg1"/>
+                </a:solidFill>
+              </a:rPr>
+              <a:t>gunbound</a:t>
+            </a:r>
+            <a:r>
+              <a:rPr lang="en-US" sz="4200" dirty="0" smtClean="0"/>
+              <a:t>?</a:t>
+            </a:r>
+            <a:endParaRPr lang="en-US" sz="4200" dirty="0"/>
+          </a:p>
+        </p:txBody>
+      </p:sp>
+    </p:spTree>
+    <p:extLst>
+      <p:ext uri="{BB962C8B-B14F-4D97-AF65-F5344CB8AC3E}">
+        <p14:creationId xmlns:p14="http://schemas.microsoft.com/office/powerpoint/2010/main" val="3612652008"/>
       </p:ext>
     </p:extLst>
   </p:cSld>

--- a/Tugas.pptx
+++ b/Tugas.pptx
@@ -106,6 +106,11 @@
       </a:defRPr>
     </a:lvl9pPr>
   </p:defaultTextStyle>
+  <p:extLst>
+    <p:ext uri="{EFAFB233-063F-42B5-8137-9DF3F51BA10A}">
+      <p15:sldGuideLst xmlns:p15="http://schemas.microsoft.com/office/powerpoint/2012/main"/>
+    </p:ext>
+  </p:extLst>
 </p:presentation>
 </file>
 
@@ -3073,6 +3078,10 @@
               <a:rPr lang="en-US" dirty="0" err="1" smtClean="0"/>
               <a:t>loe</a:t>
             </a:r>
+            <a:r>
+              <a:rPr lang="en-US" smtClean="0"/>
+              <a:t>!!!!!</a:t>
+            </a:r>
             <a:endParaRPr lang="en-US" dirty="0"/>
           </a:p>
         </p:txBody>

--- a/Tugas.pptx
+++ b/Tugas.pptx
@@ -19,6 +19,7 @@
     <p:sldId id="267" r:id="rId13"/>
     <p:sldId id="268" r:id="rId14"/>
     <p:sldId id="269" r:id="rId15"/>
+    <p:sldId id="270" r:id="rId16"/>
   </p:sldIdLst>
   <p:sldSz cx="12192000" cy="6858000"/>
   <p:notesSz cx="6858000" cy="9144000"/>
@@ -118,6 +119,29 @@
     </a:lvl9pPr>
   </p:defaultTextStyle>
   <p:extLst>
+    <p:ext uri="{521415D9-36F7-43E2-AB2F-B90AF26B5E84}">
+      <p14:sectionLst xmlns:p14="http://schemas.microsoft.com/office/powerpoint/2010/main">
+        <p14:section name="Default Section" id="{264918AF-A1BC-46E7-8B48-E893F9988FCD}">
+          <p14:sldIdLst>
+            <p14:sldId id="256"/>
+            <p14:sldId id="257"/>
+            <p14:sldId id="258"/>
+            <p14:sldId id="259"/>
+            <p14:sldId id="260"/>
+            <p14:sldId id="261"/>
+            <p14:sldId id="262"/>
+            <p14:sldId id="263"/>
+            <p14:sldId id="264"/>
+            <p14:sldId id="265"/>
+            <p14:sldId id="266"/>
+            <p14:sldId id="267"/>
+            <p14:sldId id="268"/>
+            <p14:sldId id="269"/>
+            <p14:sldId id="270"/>
+          </p14:sldIdLst>
+        </p14:section>
+      </p14:sectionLst>
+    </p:ext>
     <p:ext uri="{EFAFB233-063F-42B5-8137-9DF3F51BA10A}">
       <p15:sldGuideLst xmlns:p15="http://schemas.microsoft.com/office/powerpoint/2012/main"/>
     </p:ext>
@@ -3625,6 +3649,82 @@
 </p:sld>
 </file>
 
+<file path=ppt/slides/slide15.xml><?xml version="1.0" encoding="utf-8"?>
+<p:sld xmlns:a="http://schemas.openxmlformats.org/drawingml/2006/main" xmlns:r="http://schemas.openxmlformats.org/officeDocument/2006/relationships" xmlns:p="http://schemas.openxmlformats.org/presentationml/2006/main">
+  <p:cSld>
+    <p:spTree>
+      <p:nvGrpSpPr>
+        <p:cNvPr id="1" name=""/>
+        <p:cNvGrpSpPr/>
+        <p:nvPr/>
+      </p:nvGrpSpPr>
+      <p:grpSpPr>
+        <a:xfrm>
+          <a:off x="0" y="0"/>
+          <a:ext cx="0" cy="0"/>
+          <a:chOff x="0" y="0"/>
+          <a:chExt cx="0" cy="0"/>
+        </a:xfrm>
+      </p:grpSpPr>
+      <p:sp>
+        <p:nvSpPr>
+          <p:cNvPr id="2" name="Title 1"/>
+          <p:cNvSpPr>
+            <a:spLocks noGrp="1"/>
+          </p:cNvSpPr>
+          <p:nvPr>
+            <p:ph type="title"/>
+          </p:nvPr>
+        </p:nvSpPr>
+        <p:spPr/>
+        <p:txBody>
+          <a:bodyPr/>
+          <a:lstStyle/>
+          <a:p>
+            <a:r>
+              <a:rPr lang="en-US" dirty="0" smtClean="0"/>
+              <a:t>Alfred Handoko</a:t>
+            </a:r>
+            <a:endParaRPr lang="en-US" dirty="0"/>
+          </a:p>
+        </p:txBody>
+      </p:sp>
+      <p:sp>
+        <p:nvSpPr>
+          <p:cNvPr id="3" name="Content Placeholder 2"/>
+          <p:cNvSpPr>
+            <a:spLocks noGrp="1"/>
+          </p:cNvSpPr>
+          <p:nvPr>
+            <p:ph idx="1"/>
+          </p:nvPr>
+        </p:nvSpPr>
+        <p:spPr/>
+        <p:txBody>
+          <a:bodyPr/>
+          <a:lstStyle/>
+          <a:p>
+            <a:pPr marL="514350" indent="-514350">
+              <a:buFont typeface="+mj-lt"/>
+              <a:buAutoNum type="arabicPeriod"/>
+            </a:pPr>
+            <a:endParaRPr lang="en-US" dirty="0"/>
+          </a:p>
+        </p:txBody>
+      </p:sp>
+    </p:spTree>
+    <p:extLst>
+      <p:ext uri="{BB962C8B-B14F-4D97-AF65-F5344CB8AC3E}">
+        <p14:creationId xmlns:p14="http://schemas.microsoft.com/office/powerpoint/2010/main" val="3023924388"/>
+      </p:ext>
+    </p:extLst>
+  </p:cSld>
+  <p:clrMapOvr>
+    <a:masterClrMapping/>
+  </p:clrMapOvr>
+</p:sld>
+</file>
+
 <file path=ppt/slides/slide2.xml><?xml version="1.0" encoding="utf-8"?>
 <p:sld xmlns:a="http://schemas.openxmlformats.org/drawingml/2006/main" xmlns:r="http://schemas.openxmlformats.org/officeDocument/2006/relationships" xmlns:p="http://schemas.openxmlformats.org/presentationml/2006/main">
   <p:cSld>
@@ -3680,18 +3780,9 @@
           <a:bodyPr/>
           <a:lstStyle/>
           <a:p>
-            <a:r>
-              <a:rPr lang="en-US" dirty="0" err="1" smtClean="0"/>
-              <a:t>Pertanyaan</a:t>
-            </a:r>
-            <a:r>
-              <a:rPr lang="en-US" dirty="0" smtClean="0"/>
-              <a:t> </a:t>
-            </a:r>
-            <a:r>
-              <a:rPr lang="en-US" dirty="0" err="1" smtClean="0"/>
-              <a:t>loe</a:t>
-            </a:r>
+            <a:pPr marL="0" indent="0">
+              <a:buNone/>
+            </a:pPr>
             <a:endParaRPr lang="en-US" dirty="0"/>
           </a:p>
         </p:txBody>

--- a/Tugas.pptx
+++ b/Tugas.pptx
@@ -20,6 +20,9 @@
     <p:sldId id="268" r:id="rId14"/>
     <p:sldId id="269" r:id="rId15"/>
     <p:sldId id="270" r:id="rId16"/>
+    <p:sldId id="271" r:id="rId17"/>
+    <p:sldId id="272" r:id="rId18"/>
+    <p:sldId id="273" r:id="rId19"/>
   </p:sldIdLst>
   <p:sldSz cx="12192000" cy="6858000"/>
   <p:notesSz cx="6858000" cy="9144000"/>
@@ -138,6 +141,9 @@
             <p14:sldId id="268"/>
             <p14:sldId id="269"/>
             <p14:sldId id="270"/>
+            <p14:sldId id="271"/>
+            <p14:sldId id="272"/>
+            <p14:sldId id="273"/>
           </p14:sldIdLst>
         </p14:section>
       </p14:sectionLst>
@@ -3704,11 +3710,172 @@
           <a:bodyPr/>
           <a:lstStyle/>
           <a:p>
-            <a:pPr marL="514350" indent="-514350">
-              <a:buFont typeface="+mj-lt"/>
-              <a:buAutoNum type="arabicPeriod"/>
+            <a:r>
+              <a:rPr lang="en-US" dirty="0" err="1" smtClean="0"/>
+              <a:t>Apakah</a:t>
+            </a:r>
+            <a:r>
+              <a:rPr lang="en-US" dirty="0" smtClean="0"/>
+              <a:t> </a:t>
+            </a:r>
+            <a:r>
+              <a:rPr lang="en-US" dirty="0" err="1" smtClean="0"/>
+              <a:t>betul</a:t>
+            </a:r>
+            <a:r>
+              <a:rPr lang="en-US" dirty="0" smtClean="0"/>
+              <a:t> </a:t>
+            </a:r>
+            <a:r>
+              <a:rPr lang="en-US" dirty="0" err="1" smtClean="0"/>
+              <a:t>bahwa</a:t>
+            </a:r>
+            <a:r>
+              <a:rPr lang="en-US" dirty="0" smtClean="0"/>
+              <a:t> point </a:t>
+            </a:r>
+            <a:r>
+              <a:rPr lang="en-US" dirty="0" err="1" smtClean="0"/>
+              <a:t>maksimal</a:t>
+            </a:r>
+            <a:r>
+              <a:rPr lang="en-US" dirty="0" smtClean="0"/>
+              <a:t> </a:t>
+            </a:r>
+            <a:r>
+              <a:rPr lang="en-US" dirty="0" err="1" smtClean="0"/>
+              <a:t>dari</a:t>
+            </a:r>
+            <a:r>
+              <a:rPr lang="en-US" dirty="0" smtClean="0"/>
+              <a:t> games 2048 </a:t>
+            </a:r>
+            <a:r>
+              <a:rPr lang="en-US" dirty="0" err="1" smtClean="0"/>
+              <a:t>ada</a:t>
+            </a:r>
+            <a:r>
+              <a:rPr lang="en-US" dirty="0" err="1" smtClean="0"/>
+              <a:t>lah</a:t>
+            </a:r>
+            <a:r>
+              <a:rPr lang="en-US" dirty="0"/>
+              <a:t> </a:t>
+            </a:r>
+            <a:r>
+              <a:rPr lang="fr-FR" dirty="0" smtClean="0"/>
+              <a:t>3.932.156 </a:t>
+            </a:r>
+            <a:r>
+              <a:rPr lang="fr-FR" dirty="0" err="1" smtClean="0"/>
+              <a:t>Poin</a:t>
+            </a:r>
+            <a:r>
+              <a:rPr lang="fr-FR" dirty="0" smtClean="0"/>
+              <a:t>, </a:t>
+            </a:r>
+            <a:r>
+              <a:rPr lang="fr-FR" dirty="0" err="1" smtClean="0"/>
+              <a:t>dengan</a:t>
+            </a:r>
+            <a:r>
+              <a:rPr lang="fr-FR" dirty="0" smtClean="0"/>
+              <a:t> </a:t>
+            </a:r>
+            <a:r>
+              <a:rPr lang="fr-FR" dirty="0" err="1" smtClean="0"/>
+              <a:t>anggapan</a:t>
+            </a:r>
+            <a:r>
+              <a:rPr lang="fr-FR" dirty="0" smtClean="0"/>
+              <a:t> </a:t>
+            </a:r>
+            <a:r>
+              <a:rPr lang="fr-FR" dirty="0" err="1" smtClean="0"/>
+              <a:t>bahwa</a:t>
+            </a:r>
+            <a:r>
+              <a:rPr lang="fr-FR" dirty="0" smtClean="0"/>
+              <a:t> </a:t>
+            </a:r>
+            <a:r>
+              <a:rPr lang="fr-FR" dirty="0" err="1" smtClean="0"/>
+              <a:t>semua</a:t>
+            </a:r>
+            <a:r>
+              <a:rPr lang="fr-FR" dirty="0" smtClean="0"/>
+              <a:t> </a:t>
+            </a:r>
+            <a:r>
+              <a:rPr lang="fr-FR" dirty="0" err="1" smtClean="0"/>
+              <a:t>tile</a:t>
+            </a:r>
+            <a:r>
+              <a:rPr lang="fr-FR" dirty="0" smtClean="0"/>
+              <a:t> yang </a:t>
+            </a:r>
+            <a:r>
+              <a:rPr lang="fr-FR" dirty="0" err="1" smtClean="0"/>
+              <a:t>muncul</a:t>
+            </a:r>
+            <a:r>
+              <a:rPr lang="fr-FR" dirty="0" smtClean="0"/>
+              <a:t> </a:t>
+            </a:r>
+            <a:r>
+              <a:rPr lang="fr-FR" dirty="0" err="1" smtClean="0"/>
+              <a:t>memiliki</a:t>
+            </a:r>
+            <a:r>
+              <a:rPr lang="fr-FR" dirty="0" smtClean="0"/>
+              <a:t> </a:t>
+            </a:r>
+            <a:r>
+              <a:rPr lang="fr-FR" dirty="0" err="1" smtClean="0"/>
+              <a:t>nilai</a:t>
+            </a:r>
+            <a:r>
+              <a:rPr lang="fr-FR" dirty="0" smtClean="0"/>
+              <a:t> 2 dan </a:t>
+            </a:r>
+            <a:r>
+              <a:rPr lang="fr-FR" dirty="0" err="1" smtClean="0"/>
+              <a:t>tile</a:t>
+            </a:r>
+            <a:r>
+              <a:rPr lang="fr-FR" dirty="0" smtClean="0"/>
+              <a:t> </a:t>
+            </a:r>
+            <a:r>
+              <a:rPr lang="fr-FR" dirty="0" err="1" smtClean="0"/>
+              <a:t>terakhir</a:t>
+            </a:r>
+            <a:r>
+              <a:rPr lang="fr-FR" dirty="0" smtClean="0"/>
+              <a:t> yang akan </a:t>
+            </a:r>
+            <a:r>
+              <a:rPr lang="fr-FR" dirty="0" err="1" smtClean="0"/>
+              <a:t>muncul</a:t>
+            </a:r>
+            <a:r>
+              <a:rPr lang="fr-FR" dirty="0" smtClean="0"/>
+              <a:t> </a:t>
+            </a:r>
+            <a:r>
+              <a:rPr lang="fr-FR" dirty="0" err="1" smtClean="0"/>
+              <a:t>adalah</a:t>
+            </a:r>
+            <a:r>
+              <a:rPr lang="fr-FR" dirty="0" smtClean="0"/>
+              <a:t> 4?</a:t>
+            </a:r>
+          </a:p>
+          <a:p>
+            <a:pPr marL="0" indent="0">
+              <a:buNone/>
             </a:pPr>
-            <a:endParaRPr lang="en-US" dirty="0"/>
+            <a:endParaRPr lang="fr-FR" dirty="0"/>
           </a:p>
         </p:txBody>
       </p:sp>
@@ -3716,6 +3883,544 @@
     <p:extLst>
       <p:ext uri="{BB962C8B-B14F-4D97-AF65-F5344CB8AC3E}">
         <p14:creationId xmlns:p14="http://schemas.microsoft.com/office/powerpoint/2010/main" val="3023924388"/>
+      </p:ext>
+    </p:extLst>
+  </p:cSld>
+  <p:clrMapOvr>
+    <a:masterClrMapping/>
+  </p:clrMapOvr>
+</p:sld>
+</file>
+
+<file path=ppt/slides/slide16.xml><?xml version="1.0" encoding="utf-8"?>
+<p:sld xmlns:a="http://schemas.openxmlformats.org/drawingml/2006/main" xmlns:r="http://schemas.openxmlformats.org/officeDocument/2006/relationships" xmlns:p="http://schemas.openxmlformats.org/presentationml/2006/main">
+  <p:cSld>
+    <p:spTree>
+      <p:nvGrpSpPr>
+        <p:cNvPr id="1" name=""/>
+        <p:cNvGrpSpPr/>
+        <p:nvPr/>
+      </p:nvGrpSpPr>
+      <p:grpSpPr>
+        <a:xfrm>
+          <a:off x="0" y="0"/>
+          <a:ext cx="0" cy="0"/>
+          <a:chOff x="0" y="0"/>
+          <a:chExt cx="0" cy="0"/>
+        </a:xfrm>
+      </p:grpSpPr>
+      <p:sp>
+        <p:nvSpPr>
+          <p:cNvPr id="2" name="Title 1"/>
+          <p:cNvSpPr>
+            <a:spLocks noGrp="1"/>
+          </p:cNvSpPr>
+          <p:nvPr>
+            <p:ph type="title"/>
+          </p:nvPr>
+        </p:nvSpPr>
+        <p:spPr/>
+        <p:txBody>
+          <a:bodyPr/>
+          <a:lstStyle/>
+          <a:p>
+            <a:endParaRPr lang="en-US"/>
+          </a:p>
+        </p:txBody>
+      </p:sp>
+      <p:sp>
+        <p:nvSpPr>
+          <p:cNvPr id="3" name="Content Placeholder 2"/>
+          <p:cNvSpPr>
+            <a:spLocks noGrp="1"/>
+          </p:cNvSpPr>
+          <p:nvPr>
+            <p:ph idx="1"/>
+          </p:nvPr>
+        </p:nvSpPr>
+        <p:spPr/>
+        <p:txBody>
+          <a:bodyPr/>
+          <a:lstStyle/>
+          <a:p>
+            <a:pPr marL="0" indent="0">
+              <a:buNone/>
+            </a:pPr>
+            <a:r>
+              <a:rPr lang="en-US" dirty="0" err="1" smtClean="0"/>
+              <a:t>Jawaban</a:t>
+            </a:r>
+            <a:r>
+              <a:rPr lang="en-US" dirty="0" smtClean="0"/>
+              <a:t> = True</a:t>
+            </a:r>
+          </a:p>
+          <a:p>
+            <a:pPr marL="0" indent="0">
+              <a:buNone/>
+            </a:pPr>
+            <a:r>
+              <a:rPr lang="fr-FR" b="1" dirty="0"/>
+              <a:t>Max points possible = 3,932,156 </a:t>
+            </a:r>
+            <a:r>
+              <a:rPr lang="fr-FR" b="1" dirty="0" smtClean="0"/>
+              <a:t>Points</a:t>
+            </a:r>
+          </a:p>
+          <a:p>
+            <a:pPr marL="0" indent="0">
+              <a:buNone/>
+            </a:pPr>
+            <a:r>
+              <a:rPr lang="fr-FR" b="1" dirty="0" err="1" smtClean="0"/>
+              <a:t>Rumus</a:t>
+            </a:r>
+            <a:r>
+              <a:rPr lang="fr-FR" b="1" dirty="0"/>
+              <a:t>:</a:t>
+            </a:r>
+            <a:r>
+              <a:rPr lang="en-US" b="1" dirty="0" smtClean="0"/>
+              <a:t> </a:t>
+            </a:r>
+            <a:r>
+              <a:rPr lang="en-US" b="1" dirty="0"/>
+              <a:t>2</a:t>
+            </a:r>
+            <a:r>
+              <a:rPr lang="en-US" b="1" baseline="30000" dirty="0"/>
+              <a:t>n</a:t>
+            </a:r>
+            <a:r>
+              <a:rPr lang="en-US" b="1" dirty="0"/>
+              <a:t> = (n-1)2</a:t>
+            </a:r>
+            <a:r>
+              <a:rPr lang="en-US" b="1" baseline="30000" dirty="0"/>
+              <a:t>n</a:t>
+            </a:r>
+            <a:r>
+              <a:rPr lang="en-US" b="1" dirty="0"/>
+              <a:t> </a:t>
+            </a:r>
+            <a:r>
+              <a:rPr lang="en-US" b="1" dirty="0" smtClean="0"/>
+              <a:t>points</a:t>
+            </a:r>
+          </a:p>
+          <a:p>
+            <a:pPr marL="0" indent="0">
+              <a:buNone/>
+            </a:pPr>
+            <a:endParaRPr lang="en-US" b="1" dirty="0"/>
+          </a:p>
+          <a:p>
+            <a:pPr marL="0" indent="0">
+              <a:buNone/>
+            </a:pPr>
+            <a:r>
+              <a:rPr lang="en-US" b="1" dirty="0" err="1" smtClean="0"/>
+              <a:t>Referensi</a:t>
+            </a:r>
+            <a:r>
+              <a:rPr lang="en-US" b="1" dirty="0"/>
+              <a:t> : https://www.reddit.com/r/2048/comments/214njx/highest_possible_score_for_2048_warning_math</a:t>
+            </a:r>
+            <a:endParaRPr lang="en-US" dirty="0"/>
+          </a:p>
+        </p:txBody>
+      </p:sp>
+    </p:spTree>
+    <p:extLst>
+      <p:ext uri="{BB962C8B-B14F-4D97-AF65-F5344CB8AC3E}">
+        <p14:creationId xmlns:p14="http://schemas.microsoft.com/office/powerpoint/2010/main" val="1027984655"/>
+      </p:ext>
+    </p:extLst>
+  </p:cSld>
+  <p:clrMapOvr>
+    <a:masterClrMapping/>
+  </p:clrMapOvr>
+</p:sld>
+</file>
+
+<file path=ppt/slides/slide17.xml><?xml version="1.0" encoding="utf-8"?>
+<p:sld xmlns:a="http://schemas.openxmlformats.org/drawingml/2006/main" xmlns:r="http://schemas.openxmlformats.org/officeDocument/2006/relationships" xmlns:p="http://schemas.openxmlformats.org/presentationml/2006/main">
+  <p:cSld>
+    <p:spTree>
+      <p:nvGrpSpPr>
+        <p:cNvPr id="1" name=""/>
+        <p:cNvGrpSpPr/>
+        <p:nvPr/>
+      </p:nvGrpSpPr>
+      <p:grpSpPr>
+        <a:xfrm>
+          <a:off x="0" y="0"/>
+          <a:ext cx="0" cy="0"/>
+          <a:chOff x="0" y="0"/>
+          <a:chExt cx="0" cy="0"/>
+        </a:xfrm>
+      </p:grpSpPr>
+      <p:sp>
+        <p:nvSpPr>
+          <p:cNvPr id="2" name="Title 1"/>
+          <p:cNvSpPr>
+            <a:spLocks noGrp="1"/>
+          </p:cNvSpPr>
+          <p:nvPr>
+            <p:ph type="title"/>
+          </p:nvPr>
+        </p:nvSpPr>
+        <p:spPr/>
+        <p:txBody>
+          <a:bodyPr/>
+          <a:lstStyle/>
+          <a:p>
+            <a:endParaRPr lang="en-US" dirty="0"/>
+          </a:p>
+        </p:txBody>
+      </p:sp>
+      <p:sp>
+        <p:nvSpPr>
+          <p:cNvPr id="3" name="Content Placeholder 2"/>
+          <p:cNvSpPr>
+            <a:spLocks noGrp="1"/>
+          </p:cNvSpPr>
+          <p:nvPr>
+            <p:ph idx="1"/>
+          </p:nvPr>
+        </p:nvSpPr>
+        <p:spPr/>
+        <p:txBody>
+          <a:bodyPr/>
+          <a:lstStyle/>
+          <a:p>
+            <a:r>
+              <a:rPr lang="en-US" dirty="0" err="1" smtClean="0"/>
+              <a:t>Apakah</a:t>
+            </a:r>
+            <a:r>
+              <a:rPr lang="en-US" dirty="0" smtClean="0"/>
+              <a:t> </a:t>
+            </a:r>
+            <a:r>
+              <a:rPr lang="en-US" dirty="0" err="1" smtClean="0"/>
+              <a:t>Kemungkinan</a:t>
+            </a:r>
+            <a:r>
+              <a:rPr lang="en-US" dirty="0" smtClean="0"/>
+              <a:t> </a:t>
+            </a:r>
+            <a:r>
+              <a:rPr lang="en-US" dirty="0" err="1" smtClean="0"/>
+              <a:t>munculnya</a:t>
+            </a:r>
+            <a:r>
+              <a:rPr lang="en-US" dirty="0" smtClean="0"/>
+              <a:t> tile 4 di game 2048 </a:t>
+            </a:r>
+            <a:r>
+              <a:rPr lang="en-US" dirty="0" err="1" smtClean="0"/>
+              <a:t>adalah</a:t>
+            </a:r>
+            <a:r>
+              <a:rPr lang="en-US" dirty="0" smtClean="0"/>
+              <a:t> 20%?</a:t>
+            </a:r>
+            <a:endParaRPr lang="en-US" dirty="0"/>
+          </a:p>
+        </p:txBody>
+      </p:sp>
+    </p:spTree>
+    <p:extLst>
+      <p:ext uri="{BB962C8B-B14F-4D97-AF65-F5344CB8AC3E}">
+        <p14:creationId xmlns:p14="http://schemas.microsoft.com/office/powerpoint/2010/main" val="4285905244"/>
+      </p:ext>
+    </p:extLst>
+  </p:cSld>
+  <p:clrMapOvr>
+    <a:masterClrMapping/>
+  </p:clrMapOvr>
+</p:sld>
+</file>
+
+<file path=ppt/slides/slide18.xml><?xml version="1.0" encoding="utf-8"?>
+<p:sld xmlns:a="http://schemas.openxmlformats.org/drawingml/2006/main" xmlns:r="http://schemas.openxmlformats.org/officeDocument/2006/relationships" xmlns:p="http://schemas.openxmlformats.org/presentationml/2006/main">
+  <p:cSld>
+    <p:spTree>
+      <p:nvGrpSpPr>
+        <p:cNvPr id="1" name=""/>
+        <p:cNvGrpSpPr/>
+        <p:nvPr/>
+      </p:nvGrpSpPr>
+      <p:grpSpPr>
+        <a:xfrm>
+          <a:off x="0" y="0"/>
+          <a:ext cx="0" cy="0"/>
+          <a:chOff x="0" y="0"/>
+          <a:chExt cx="0" cy="0"/>
+        </a:xfrm>
+      </p:grpSpPr>
+      <p:sp>
+        <p:nvSpPr>
+          <p:cNvPr id="2" name="Title 1"/>
+          <p:cNvSpPr>
+            <a:spLocks noGrp="1"/>
+          </p:cNvSpPr>
+          <p:nvPr>
+            <p:ph type="title"/>
+          </p:nvPr>
+        </p:nvSpPr>
+        <p:spPr/>
+        <p:txBody>
+          <a:bodyPr/>
+          <a:lstStyle/>
+          <a:p>
+            <a:endParaRPr lang="en-US"/>
+          </a:p>
+        </p:txBody>
+      </p:sp>
+      <p:sp>
+        <p:nvSpPr>
+          <p:cNvPr id="3" name="Content Placeholder 2"/>
+          <p:cNvSpPr>
+            <a:spLocks noGrp="1"/>
+          </p:cNvSpPr>
+          <p:nvPr>
+            <p:ph idx="1"/>
+          </p:nvPr>
+        </p:nvSpPr>
+        <p:spPr/>
+        <p:txBody>
+          <a:bodyPr>
+            <a:normAutofit lnSpcReduction="10000"/>
+          </a:bodyPr>
+          <a:lstStyle/>
+          <a:p>
+            <a:pPr marL="0" indent="0">
+              <a:buNone/>
+            </a:pPr>
+            <a:r>
+              <a:rPr lang="en-US" dirty="0" err="1"/>
+              <a:t>Jawaban</a:t>
+            </a:r>
+            <a:r>
+              <a:rPr lang="en-US" dirty="0"/>
+              <a:t> = </a:t>
+            </a:r>
+            <a:r>
+              <a:rPr lang="en-US" dirty="0" smtClean="0"/>
+              <a:t>False</a:t>
+            </a:r>
+            <a:endParaRPr lang="en-US" dirty="0"/>
+          </a:p>
+          <a:p>
+            <a:pPr marL="0" indent="0">
+              <a:buNone/>
+            </a:pPr>
+            <a:r>
+              <a:rPr lang="en-US" b="1" dirty="0" err="1" smtClean="0"/>
+              <a:t>Menurut</a:t>
+            </a:r>
+            <a:r>
+              <a:rPr lang="en-US" b="1" dirty="0" smtClean="0"/>
+              <a:t> </a:t>
+            </a:r>
+            <a:r>
+              <a:rPr lang="en-US" b="1" dirty="0" err="1" smtClean="0"/>
+              <a:t>perhitungan</a:t>
+            </a:r>
+            <a:r>
+              <a:rPr lang="en-US" b="1" dirty="0" smtClean="0"/>
+              <a:t> </a:t>
+            </a:r>
+            <a:r>
+              <a:rPr lang="en-US" b="1" dirty="0" err="1" smtClean="0"/>
+              <a:t>seorang</a:t>
+            </a:r>
+            <a:r>
+              <a:rPr lang="en-US" b="1" dirty="0" smtClean="0"/>
+              <a:t> </a:t>
+            </a:r>
+            <a:r>
+              <a:rPr lang="en-US" b="1" dirty="0" err="1" smtClean="0"/>
+              <a:t>pria</a:t>
+            </a:r>
+            <a:r>
+              <a:rPr lang="en-US" b="1" dirty="0" smtClean="0"/>
+              <a:t> random </a:t>
+            </a:r>
+            <a:r>
+              <a:rPr lang="en-US" b="1" dirty="0" err="1" smtClean="0"/>
+              <a:t>kemungkinan</a:t>
+            </a:r>
+            <a:r>
+              <a:rPr lang="en-US" b="1" dirty="0" smtClean="0"/>
+              <a:t> </a:t>
+            </a:r>
+            <a:r>
+              <a:rPr lang="en-US" b="1" dirty="0" err="1" smtClean="0"/>
+              <a:t>untuk</a:t>
+            </a:r>
+            <a:r>
+              <a:rPr lang="en-US" b="1" dirty="0" smtClean="0"/>
+              <a:t> </a:t>
+            </a:r>
+            <a:r>
+              <a:rPr lang="en-US" b="1" dirty="0" err="1" smtClean="0"/>
+              <a:t>angka</a:t>
+            </a:r>
+            <a:r>
+              <a:rPr lang="en-US" b="1" dirty="0" smtClean="0"/>
+              <a:t> 4 </a:t>
+            </a:r>
+            <a:r>
+              <a:rPr lang="en-US" b="1" dirty="0" err="1" smtClean="0"/>
+              <a:t>keluar</a:t>
+            </a:r>
+            <a:r>
+              <a:rPr lang="en-US" b="1" dirty="0" smtClean="0"/>
+              <a:t> </a:t>
+            </a:r>
+            <a:r>
+              <a:rPr lang="en-US" b="1" dirty="0" err="1" smtClean="0"/>
+              <a:t>adalah</a:t>
+            </a:r>
+            <a:r>
+              <a:rPr lang="en-US" b="1" dirty="0" smtClean="0"/>
+              <a:t> 10,2%</a:t>
+            </a:r>
+          </a:p>
+          <a:p>
+            <a:pPr marL="0" indent="0">
+              <a:buNone/>
+            </a:pPr>
+            <a:endParaRPr lang="en-US" b="1" dirty="0"/>
+          </a:p>
+          <a:p>
+            <a:pPr marL="0" indent="0">
+              <a:buNone/>
+            </a:pPr>
+            <a:r>
+              <a:rPr lang="en-US" b="1" dirty="0" smtClean="0"/>
+              <a:t>Hal </a:t>
+            </a:r>
+            <a:r>
+              <a:rPr lang="en-US" b="1" dirty="0" err="1" smtClean="0"/>
+              <a:t>ini</a:t>
+            </a:r>
+            <a:r>
+              <a:rPr lang="en-US" b="1" dirty="0" smtClean="0"/>
+              <a:t> </a:t>
+            </a:r>
+            <a:r>
+              <a:rPr lang="en-US" b="1" dirty="0" err="1" smtClean="0"/>
+              <a:t>didukung</a:t>
+            </a:r>
+            <a:r>
+              <a:rPr lang="en-US" b="1" dirty="0" smtClean="0"/>
+              <a:t> </a:t>
+            </a:r>
+            <a:r>
+              <a:rPr lang="en-US" b="1" dirty="0" err="1" smtClean="0"/>
+              <a:t>dengan</a:t>
+            </a:r>
+            <a:r>
+              <a:rPr lang="en-US" b="1" dirty="0" smtClean="0"/>
+              <a:t> source code 2048 yang </a:t>
+            </a:r>
+            <a:r>
+              <a:rPr lang="en-US" b="1" dirty="0" err="1" smtClean="0"/>
+              <a:t>ada</a:t>
+            </a:r>
+            <a:r>
+              <a:rPr lang="en-US" b="1" dirty="0" smtClean="0"/>
+              <a:t> di </a:t>
+            </a:r>
+            <a:r>
+              <a:rPr lang="en-US" b="1" dirty="0" err="1" smtClean="0"/>
+              <a:t>github</a:t>
+            </a:r>
+            <a:r>
+              <a:rPr lang="en-US" b="1" dirty="0" smtClean="0"/>
+              <a:t> yang </a:t>
+            </a:r>
+            <a:r>
+              <a:rPr lang="en-US" b="1" dirty="0" err="1" smtClean="0"/>
+              <a:t>menunjukan</a:t>
+            </a:r>
+            <a:r>
+              <a:rPr lang="en-US" b="1" dirty="0" smtClean="0"/>
+              <a:t> </a:t>
+            </a:r>
+            <a:r>
+              <a:rPr lang="en-US" b="1" dirty="0" err="1" smtClean="0"/>
+              <a:t>bahwa</a:t>
+            </a:r>
+            <a:r>
+              <a:rPr lang="en-US" b="1" dirty="0" smtClean="0"/>
+              <a:t> tile 2 </a:t>
+            </a:r>
+            <a:r>
+              <a:rPr lang="en-US" b="1" dirty="0" err="1" smtClean="0"/>
+              <a:t>keluar</a:t>
+            </a:r>
+            <a:r>
+              <a:rPr lang="en-US" b="1" dirty="0" smtClean="0"/>
+              <a:t> </a:t>
+            </a:r>
+            <a:r>
+              <a:rPr lang="en-US" b="1" dirty="0" err="1" smtClean="0"/>
+              <a:t>dengan</a:t>
+            </a:r>
+            <a:r>
+              <a:rPr lang="en-US" b="1" dirty="0" smtClean="0"/>
+              <a:t> </a:t>
+            </a:r>
+            <a:r>
+              <a:rPr lang="en-US" b="1" dirty="0" err="1" smtClean="0"/>
+              <a:t>kemungkinan</a:t>
+            </a:r>
+            <a:r>
+              <a:rPr lang="en-US" b="1" dirty="0" smtClean="0"/>
+              <a:t> 90%, </a:t>
+            </a:r>
+            <a:r>
+              <a:rPr lang="en-US" b="1" dirty="0" err="1" smtClean="0"/>
+              <a:t>dan</a:t>
+            </a:r>
+            <a:r>
+              <a:rPr lang="en-US" b="1" dirty="0" smtClean="0"/>
+              <a:t> tile 4 10%</a:t>
+            </a:r>
+            <a:endParaRPr lang="en-US" b="1" dirty="0"/>
+          </a:p>
+          <a:p>
+            <a:pPr marL="0" indent="0">
+              <a:buNone/>
+            </a:pPr>
+            <a:endParaRPr lang="en-US" b="1" dirty="0"/>
+          </a:p>
+          <a:p>
+            <a:pPr marL="0" indent="0">
+              <a:buNone/>
+            </a:pPr>
+            <a:r>
+              <a:rPr lang="en-US" b="1" dirty="0" err="1"/>
+              <a:t>Referensi</a:t>
+            </a:r>
+            <a:r>
+              <a:rPr lang="en-US" b="1" dirty="0"/>
+              <a:t> : https://www.linkedin.com/pulse/20140613201532-7790303-probability-of-4-in-a-new-tile-in-2048</a:t>
+            </a:r>
+            <a:endParaRPr lang="en-US" dirty="0"/>
+          </a:p>
+        </p:txBody>
+      </p:sp>
+    </p:spTree>
+    <p:extLst>
+      <p:ext uri="{BB962C8B-B14F-4D97-AF65-F5344CB8AC3E}">
+        <p14:creationId xmlns:p14="http://schemas.microsoft.com/office/powerpoint/2010/main" val="3745290121"/>
       </p:ext>
     </p:extLst>
   </p:cSld>

--- a/Tugas.pptx
+++ b/Tugas.pptx
@@ -23,6 +23,8 @@
     <p:sldId id="271" r:id="rId17"/>
     <p:sldId id="272" r:id="rId18"/>
     <p:sldId id="273" r:id="rId19"/>
+    <p:sldId id="274" r:id="rId20"/>
+    <p:sldId id="275" r:id="rId21"/>
   </p:sldIdLst>
   <p:sldSz cx="12192000" cy="6858000"/>
   <p:notesSz cx="6858000" cy="9144000"/>
@@ -144,6 +146,8 @@
             <p14:sldId id="271"/>
             <p14:sldId id="272"/>
             <p14:sldId id="273"/>
+            <p14:sldId id="274"/>
+            <p14:sldId id="275"/>
           </p14:sldIdLst>
         </p14:section>
       </p14:sectionLst>
@@ -4430,6 +4434,257 @@
 </p:sld>
 </file>
 
+<file path=ppt/slides/slide19.xml><?xml version="1.0" encoding="utf-8"?>
+<p:sld xmlns:a="http://schemas.openxmlformats.org/drawingml/2006/main" xmlns:r="http://schemas.openxmlformats.org/officeDocument/2006/relationships" xmlns:p="http://schemas.openxmlformats.org/presentationml/2006/main">
+  <p:cSld>
+    <p:spTree>
+      <p:nvGrpSpPr>
+        <p:cNvPr id="1" name=""/>
+        <p:cNvGrpSpPr/>
+        <p:nvPr/>
+      </p:nvGrpSpPr>
+      <p:grpSpPr>
+        <a:xfrm>
+          <a:off x="0" y="0"/>
+          <a:ext cx="0" cy="0"/>
+          <a:chOff x="0" y="0"/>
+          <a:chExt cx="0" cy="0"/>
+        </a:xfrm>
+      </p:grpSpPr>
+      <p:sp>
+        <p:nvSpPr>
+          <p:cNvPr id="2" name="Title 1"/>
+          <p:cNvSpPr>
+            <a:spLocks noGrp="1"/>
+          </p:cNvSpPr>
+          <p:nvPr>
+            <p:ph type="title"/>
+          </p:nvPr>
+        </p:nvSpPr>
+        <p:spPr/>
+        <p:txBody>
+          <a:bodyPr/>
+          <a:lstStyle/>
+          <a:p>
+            <a:endParaRPr lang="en-US"/>
+          </a:p>
+        </p:txBody>
+      </p:sp>
+      <p:sp>
+        <p:nvSpPr>
+          <p:cNvPr id="3" name="Content Placeholder 2"/>
+          <p:cNvSpPr>
+            <a:spLocks noGrp="1"/>
+          </p:cNvSpPr>
+          <p:nvPr>
+            <p:ph idx="1"/>
+          </p:nvPr>
+        </p:nvSpPr>
+        <p:spPr/>
+        <p:txBody>
+          <a:bodyPr/>
+          <a:lstStyle/>
+          <a:p>
+            <a:r>
+              <a:rPr lang="en-US" dirty="0" err="1" smtClean="0"/>
+              <a:t>Pertanyaan</a:t>
+            </a:r>
+            <a:r>
+              <a:rPr lang="en-US" dirty="0" smtClean="0"/>
+              <a:t> </a:t>
+            </a:r>
+            <a:r>
+              <a:rPr lang="en-US" dirty="0" err="1" smtClean="0"/>
+              <a:t>tentang</a:t>
+            </a:r>
+            <a:r>
+              <a:rPr lang="en-US" dirty="0" smtClean="0"/>
+              <a:t> DOTA 2, </a:t>
+            </a:r>
+            <a:r>
+              <a:rPr lang="en-US" dirty="0" err="1" smtClean="0"/>
+              <a:t>jika</a:t>
+            </a:r>
+            <a:r>
+              <a:rPr lang="en-US" dirty="0" smtClean="0"/>
+              <a:t> SVEN HP 2183 </a:t>
+            </a:r>
+            <a:r>
+              <a:rPr lang="en-US" dirty="0" err="1" smtClean="0"/>
+              <a:t>dan</a:t>
+            </a:r>
+            <a:r>
+              <a:rPr lang="en-US" dirty="0" smtClean="0"/>
+              <a:t> armor 11.46 </a:t>
+            </a:r>
+            <a:r>
+              <a:rPr lang="en-US" dirty="0" err="1" smtClean="0"/>
+              <a:t>tanpa</a:t>
+            </a:r>
+            <a:r>
+              <a:rPr lang="en-US" dirty="0" smtClean="0"/>
+              <a:t> </a:t>
+            </a:r>
+            <a:r>
+              <a:rPr lang="en-US" dirty="0" err="1" smtClean="0"/>
+              <a:t>adanya</a:t>
+            </a:r>
+            <a:r>
+              <a:rPr lang="en-US" dirty="0" smtClean="0"/>
+              <a:t> buff lain. </a:t>
+            </a:r>
+            <a:r>
+              <a:rPr lang="en-US" dirty="0" err="1" smtClean="0"/>
+              <a:t>Namun</a:t>
+            </a:r>
+            <a:r>
+              <a:rPr lang="en-US" dirty="0" smtClean="0"/>
+              <a:t> </a:t>
+            </a:r>
+            <a:r>
+              <a:rPr lang="en-US" dirty="0" err="1" smtClean="0"/>
+              <a:t>diberikan</a:t>
+            </a:r>
+            <a:r>
+              <a:rPr lang="en-US" dirty="0" smtClean="0"/>
+              <a:t> buff negative </a:t>
+            </a:r>
+            <a:r>
+              <a:rPr lang="en-US" dirty="0" err="1" smtClean="0"/>
+              <a:t>berupa</a:t>
+            </a:r>
+            <a:r>
+              <a:rPr lang="en-US" dirty="0" smtClean="0"/>
+              <a:t> </a:t>
+            </a:r>
+            <a:r>
+              <a:rPr lang="en-US" i="1" dirty="0" smtClean="0"/>
+              <a:t>Amplify damage (</a:t>
+            </a:r>
+            <a:r>
+              <a:rPr lang="en-US" i="1" dirty="0" err="1" smtClean="0"/>
+              <a:t>Ulti</a:t>
+            </a:r>
+            <a:r>
+              <a:rPr lang="en-US" i="1" dirty="0" smtClean="0"/>
+              <a:t> </a:t>
+            </a:r>
+            <a:r>
+              <a:rPr lang="en-US" i="1" dirty="0" err="1" smtClean="0"/>
+              <a:t>Slardar</a:t>
+            </a:r>
+            <a:r>
+              <a:rPr lang="en-US" i="1" dirty="0" smtClean="0"/>
+              <a:t>)</a:t>
+            </a:r>
+            <a:r>
+              <a:rPr lang="en-US" dirty="0" smtClean="0"/>
+              <a:t>, yang </a:t>
+            </a:r>
+            <a:r>
+              <a:rPr lang="en-US" dirty="0" err="1" smtClean="0"/>
+              <a:t>menyebabkan</a:t>
+            </a:r>
+            <a:r>
+              <a:rPr lang="en-US" dirty="0" smtClean="0"/>
+              <a:t> armor </a:t>
+            </a:r>
+            <a:r>
+              <a:rPr lang="en-US" dirty="0" err="1" smtClean="0"/>
+              <a:t>sven</a:t>
+            </a:r>
+            <a:r>
+              <a:rPr lang="en-US" dirty="0"/>
+              <a:t> </a:t>
+            </a:r>
+            <a:r>
+              <a:rPr lang="en-US" dirty="0" err="1" smtClean="0"/>
+              <a:t>turun</a:t>
+            </a:r>
+            <a:r>
+              <a:rPr lang="en-US" dirty="0" smtClean="0"/>
+              <a:t> </a:t>
+            </a:r>
+            <a:r>
+              <a:rPr lang="en-US" dirty="0" err="1" smtClean="0"/>
+              <a:t>menjadi</a:t>
+            </a:r>
+            <a:r>
+              <a:rPr lang="en-US" dirty="0" smtClean="0"/>
+              <a:t> -8.54, </a:t>
+            </a:r>
+            <a:r>
+              <a:rPr lang="en-US" dirty="0" err="1" smtClean="0"/>
+              <a:t>apakah</a:t>
+            </a:r>
+            <a:r>
+              <a:rPr lang="en-US" dirty="0" smtClean="0"/>
+              <a:t> Sven </a:t>
+            </a:r>
+            <a:r>
+              <a:rPr lang="en-US" dirty="0" err="1" smtClean="0"/>
+              <a:t>akan</a:t>
+            </a:r>
+            <a:r>
+              <a:rPr lang="en-US" dirty="0" smtClean="0"/>
+              <a:t> </a:t>
+            </a:r>
+            <a:r>
+              <a:rPr lang="en-US" dirty="0" err="1" smtClean="0"/>
+              <a:t>mati</a:t>
+            </a:r>
+            <a:r>
+              <a:rPr lang="en-US" dirty="0" smtClean="0"/>
+              <a:t> </a:t>
+            </a:r>
+            <a:r>
+              <a:rPr lang="en-US" dirty="0" err="1" smtClean="0"/>
+              <a:t>bila</a:t>
+            </a:r>
+            <a:r>
+              <a:rPr lang="en-US" dirty="0" smtClean="0"/>
+              <a:t> </a:t>
+            </a:r>
+            <a:r>
+              <a:rPr lang="en-US" dirty="0" err="1" smtClean="0"/>
+              <a:t>terkena</a:t>
+            </a:r>
+            <a:r>
+              <a:rPr lang="en-US" dirty="0" smtClean="0"/>
+              <a:t> damage </a:t>
+            </a:r>
+            <a:r>
+              <a:rPr lang="en-US" dirty="0" err="1" smtClean="0"/>
+              <a:t>fisik</a:t>
+            </a:r>
+            <a:r>
+              <a:rPr lang="en-US" dirty="0" smtClean="0"/>
+              <a:t> </a:t>
+            </a:r>
+            <a:r>
+              <a:rPr lang="en-US" dirty="0" err="1" smtClean="0"/>
+              <a:t>sebesar</a:t>
+            </a:r>
+            <a:r>
+              <a:rPr lang="en-US" dirty="0" smtClean="0"/>
+              <a:t> 1734?</a:t>
+            </a:r>
+          </a:p>
+        </p:txBody>
+      </p:sp>
+    </p:spTree>
+    <p:extLst>
+      <p:ext uri="{BB962C8B-B14F-4D97-AF65-F5344CB8AC3E}">
+        <p14:creationId xmlns:p14="http://schemas.microsoft.com/office/powerpoint/2010/main" val="174216807"/>
+      </p:ext>
+    </p:extLst>
+  </p:cSld>
+  <p:clrMapOvr>
+    <a:masterClrMapping/>
+  </p:clrMapOvr>
+</p:sld>
+</file>
+
 <file path=ppt/slides/slide2.xml><?xml version="1.0" encoding="utf-8"?>
 <p:sld xmlns:a="http://schemas.openxmlformats.org/drawingml/2006/main" xmlns:r="http://schemas.openxmlformats.org/officeDocument/2006/relationships" xmlns:p="http://schemas.openxmlformats.org/presentationml/2006/main">
   <p:cSld>
@@ -4496,6 +4751,279 @@
     <p:extLst>
       <p:ext uri="{BB962C8B-B14F-4D97-AF65-F5344CB8AC3E}">
         <p14:creationId xmlns:p14="http://schemas.microsoft.com/office/powerpoint/2010/main" val="4052798232"/>
+      </p:ext>
+    </p:extLst>
+  </p:cSld>
+  <p:clrMapOvr>
+    <a:masterClrMapping/>
+  </p:clrMapOvr>
+</p:sld>
+</file>
+
+<file path=ppt/slides/slide20.xml><?xml version="1.0" encoding="utf-8"?>
+<p:sld xmlns:a="http://schemas.openxmlformats.org/drawingml/2006/main" xmlns:r="http://schemas.openxmlformats.org/officeDocument/2006/relationships" xmlns:p="http://schemas.openxmlformats.org/presentationml/2006/main">
+  <p:cSld>
+    <p:spTree>
+      <p:nvGrpSpPr>
+        <p:cNvPr id="1" name=""/>
+        <p:cNvGrpSpPr/>
+        <p:nvPr/>
+      </p:nvGrpSpPr>
+      <p:grpSpPr>
+        <a:xfrm>
+          <a:off x="0" y="0"/>
+          <a:ext cx="0" cy="0"/>
+          <a:chOff x="0" y="0"/>
+          <a:chExt cx="0" cy="0"/>
+        </a:xfrm>
+      </p:grpSpPr>
+      <p:sp>
+        <p:nvSpPr>
+          <p:cNvPr id="2" name="Title 1"/>
+          <p:cNvSpPr>
+            <a:spLocks noGrp="1"/>
+          </p:cNvSpPr>
+          <p:nvPr>
+            <p:ph type="title"/>
+          </p:nvPr>
+        </p:nvSpPr>
+        <p:spPr/>
+        <p:txBody>
+          <a:bodyPr/>
+          <a:lstStyle/>
+          <a:p>
+            <a:endParaRPr lang="en-US"/>
+          </a:p>
+        </p:txBody>
+      </p:sp>
+      <p:sp>
+        <p:nvSpPr>
+          <p:cNvPr id="3" name="Content Placeholder 2"/>
+          <p:cNvSpPr>
+            <a:spLocks noGrp="1"/>
+          </p:cNvSpPr>
+          <p:nvPr>
+            <p:ph idx="1"/>
+          </p:nvPr>
+        </p:nvSpPr>
+        <p:spPr/>
+        <p:txBody>
+          <a:bodyPr>
+            <a:normAutofit lnSpcReduction="10000"/>
+          </a:bodyPr>
+          <a:lstStyle/>
+          <a:p>
+            <a:pPr marL="0" indent="0">
+              <a:buNone/>
+            </a:pPr>
+            <a:r>
+              <a:rPr lang="en-US" dirty="0" err="1"/>
+              <a:t>Jawaban</a:t>
+            </a:r>
+            <a:r>
+              <a:rPr lang="en-US" dirty="0"/>
+              <a:t> = </a:t>
+            </a:r>
+            <a:r>
+              <a:rPr lang="en-US" dirty="0" err="1" smtClean="0"/>
+              <a:t>Iya</a:t>
+            </a:r>
+            <a:endParaRPr lang="en-US" dirty="0"/>
+          </a:p>
+          <a:p>
+            <a:pPr marL="0" indent="0">
+              <a:buNone/>
+            </a:pPr>
+            <a:r>
+              <a:rPr lang="en-US" b="1" dirty="0" err="1" smtClean="0"/>
+              <a:t>Rumus</a:t>
+            </a:r>
+            <a:r>
+              <a:rPr lang="en-US" b="1" dirty="0" smtClean="0"/>
+              <a:t> armor +:</a:t>
+            </a:r>
+          </a:p>
+          <a:p>
+            <a:pPr marL="0" indent="0">
+              <a:buNone/>
+            </a:pPr>
+            <a:r>
+              <a:rPr lang="en-US" i="1" dirty="0"/>
+              <a:t>Effective HP</a:t>
+            </a:r>
+            <a:r>
+              <a:rPr lang="en-US" dirty="0"/>
+              <a:t> = </a:t>
+            </a:r>
+            <a:r>
+              <a:rPr lang="en-US" i="1" dirty="0"/>
+              <a:t>Total HP</a:t>
+            </a:r>
+            <a:r>
+              <a:rPr lang="en-US" dirty="0"/>
+              <a:t> × (1 + </a:t>
+            </a:r>
+            <a:r>
+              <a:rPr lang="en-US" i="1" dirty="0"/>
+              <a:t>Armor points</a:t>
+            </a:r>
+            <a:r>
+              <a:rPr lang="en-US" dirty="0"/>
+              <a:t> × 0.06)</a:t>
+            </a:r>
+            <a:endParaRPr lang="en-US" b="1" dirty="0"/>
+          </a:p>
+          <a:p>
+            <a:pPr marL="0" indent="0">
+              <a:buNone/>
+            </a:pPr>
+            <a:endParaRPr lang="en-US" b="1" dirty="0"/>
+          </a:p>
+          <a:p>
+            <a:pPr marL="0" indent="0">
+              <a:buNone/>
+            </a:pPr>
+            <a:r>
+              <a:rPr lang="en-US" b="1" dirty="0" err="1" smtClean="0"/>
+              <a:t>Rumus</a:t>
+            </a:r>
+            <a:r>
+              <a:rPr lang="en-US" b="1" dirty="0" smtClean="0"/>
+              <a:t> armor - :</a:t>
+            </a:r>
+          </a:p>
+          <a:p>
+            <a:pPr marL="0" indent="0">
+              <a:buNone/>
+            </a:pPr>
+            <a:r>
+              <a:rPr lang="en-US" i="1" dirty="0"/>
+              <a:t>Effective HP</a:t>
+            </a:r>
+            <a:r>
+              <a:rPr lang="en-US" dirty="0"/>
+              <a:t> = </a:t>
+            </a:r>
+            <a:r>
+              <a:rPr lang="en-US" i="1" dirty="0"/>
+              <a:t>Total HP</a:t>
+            </a:r>
+            <a:r>
+              <a:rPr lang="en-US" dirty="0"/>
+              <a:t> × (1 - 0.06 × </a:t>
+            </a:r>
+            <a:r>
+              <a:rPr lang="en-US" i="1" dirty="0"/>
+              <a:t>Armor points</a:t>
+            </a:r>
+            <a:r>
+              <a:rPr lang="en-US" dirty="0"/>
+              <a:t>) / (1 - 0.12 × </a:t>
+            </a:r>
+            <a:r>
+              <a:rPr lang="en-US" i="1" dirty="0"/>
+              <a:t>Armor points</a:t>
+            </a:r>
+            <a:r>
+              <a:rPr lang="en-US" dirty="0"/>
+              <a:t>)</a:t>
+            </a:r>
+            <a:endParaRPr lang="en-US" b="1" dirty="0"/>
+          </a:p>
+          <a:p>
+            <a:pPr marL="0" indent="0">
+              <a:buNone/>
+            </a:pPr>
+            <a:r>
+              <a:rPr lang="en-US" b="1" dirty="0" err="1" smtClean="0"/>
+              <a:t>Sehingga</a:t>
+            </a:r>
+            <a:r>
+              <a:rPr lang="en-US" b="1" dirty="0" smtClean="0"/>
+              <a:t> </a:t>
+            </a:r>
+            <a:r>
+              <a:rPr lang="en-US" b="1" dirty="0" err="1" smtClean="0"/>
+              <a:t>bila</a:t>
+            </a:r>
+            <a:r>
+              <a:rPr lang="en-US" b="1" dirty="0" smtClean="0"/>
+              <a:t> </a:t>
+            </a:r>
+            <a:r>
+              <a:rPr lang="en-US" b="1" dirty="0" err="1" smtClean="0"/>
+              <a:t>dihitung</a:t>
+            </a:r>
+            <a:r>
+              <a:rPr lang="en-US" b="1" dirty="0" smtClean="0"/>
+              <a:t> – </a:t>
+            </a:r>
+            <a:r>
+              <a:rPr lang="en-US" b="1" dirty="0" err="1" smtClean="0"/>
+              <a:t>hitung</a:t>
+            </a:r>
+            <a:r>
+              <a:rPr lang="en-US" b="1" dirty="0" smtClean="0"/>
+              <a:t> </a:t>
+            </a:r>
+            <a:r>
+              <a:rPr lang="en-US" b="1" dirty="0" err="1" smtClean="0"/>
+              <a:t>sven</a:t>
+            </a:r>
+            <a:r>
+              <a:rPr lang="en-US" b="1" dirty="0" smtClean="0"/>
+              <a:t> </a:t>
+            </a:r>
+            <a:r>
+              <a:rPr lang="en-US" b="1" dirty="0" err="1" smtClean="0"/>
+              <a:t>hanya</a:t>
+            </a:r>
+            <a:r>
+              <a:rPr lang="en-US" b="1" dirty="0" smtClean="0"/>
+              <a:t> </a:t>
+            </a:r>
+            <a:r>
+              <a:rPr lang="en-US" b="1" dirty="0" err="1" smtClean="0"/>
+              <a:t>bisa</a:t>
+            </a:r>
+            <a:r>
+              <a:rPr lang="en-US" b="1" dirty="0" smtClean="0"/>
+              <a:t> </a:t>
+            </a:r>
+            <a:r>
+              <a:rPr lang="en-US" b="1" dirty="0" err="1" smtClean="0"/>
+              <a:t>menahan</a:t>
+            </a:r>
+            <a:r>
+              <a:rPr lang="en-US" b="1" dirty="0" smtClean="0"/>
+              <a:t> </a:t>
+            </a:r>
+            <a:r>
+              <a:rPr lang="en-US" dirty="0" smtClean="0"/>
+              <a:t>1631 HP</a:t>
+            </a:r>
+            <a:endParaRPr lang="en-US" b="1" dirty="0"/>
+          </a:p>
+          <a:p>
+            <a:pPr marL="0" indent="0">
+              <a:buNone/>
+            </a:pPr>
+            <a:r>
+              <a:rPr lang="en-US" b="1" dirty="0" err="1"/>
+              <a:t>Referensi</a:t>
+            </a:r>
+            <a:r>
+              <a:rPr lang="en-US" b="1" dirty="0"/>
+              <a:t> : http://dota2.gamepedia.com/Armor</a:t>
+            </a:r>
+            <a:endParaRPr lang="en-US" dirty="0"/>
+          </a:p>
+        </p:txBody>
+      </p:sp>
+    </p:spTree>
+    <p:extLst>
+      <p:ext uri="{BB962C8B-B14F-4D97-AF65-F5344CB8AC3E}">
+        <p14:creationId xmlns:p14="http://schemas.microsoft.com/office/powerpoint/2010/main" val="658729433"/>
       </p:ext>
     </p:extLst>
   </p:cSld>

--- a/Tugas.pptx
+++ b/Tugas.pptx
@@ -25,6 +25,9 @@
     <p:sldId id="273" r:id="rId19"/>
     <p:sldId id="274" r:id="rId20"/>
     <p:sldId id="275" r:id="rId21"/>
+    <p:sldId id="276" r:id="rId22"/>
+    <p:sldId id="277" r:id="rId23"/>
+    <p:sldId id="278" r:id="rId24"/>
   </p:sldIdLst>
   <p:sldSz cx="12192000" cy="6858000"/>
   <p:notesSz cx="6858000" cy="9144000"/>
@@ -148,6 +151,9 @@
             <p14:sldId id="273"/>
             <p14:sldId id="274"/>
             <p14:sldId id="275"/>
+            <p14:sldId id="276"/>
+            <p14:sldId id="277"/>
+            <p14:sldId id="278"/>
           </p14:sldIdLst>
         </p14:section>
       </p14:sectionLst>
@@ -4499,15 +4505,15 @@
             </a:r>
             <a:r>
               <a:rPr lang="en-US" dirty="0" smtClean="0"/>
-              <a:t> DOTA 2, </a:t>
+              <a:t> DOTA 2,SVEN </a:t>
             </a:r>
             <a:r>
               <a:rPr lang="en-US" dirty="0" err="1" smtClean="0"/>
-              <a:t>jika</a:t>
+              <a:t>memiliki</a:t>
             </a:r>
             <a:r>
               <a:rPr lang="en-US" dirty="0" smtClean="0"/>
-              <a:t> SVEN HP 2183 </a:t>
+              <a:t> HP 2183 </a:t>
             </a:r>
             <a:r>
               <a:rPr lang="en-US" dirty="0" err="1" smtClean="0"/>
@@ -4540,6 +4546,14 @@
             <a:r>
               <a:rPr lang="en-US" dirty="0" smtClean="0"/>
               <a:t> </a:t>
+            </a:r>
+            <a:r>
+              <a:rPr lang="en-US" dirty="0" err="1" smtClean="0"/>
+              <a:t>sialnya</a:t>
+            </a:r>
+            <a:r>
+              <a:rPr lang="en-US" dirty="0" smtClean="0"/>
+              <a:t>, Sven </a:t>
             </a:r>
             <a:r>
               <a:rPr lang="en-US" dirty="0" err="1" smtClean="0"/>
@@ -5024,6 +5038,588 @@
     <p:extLst>
       <p:ext uri="{BB962C8B-B14F-4D97-AF65-F5344CB8AC3E}">
         <p14:creationId xmlns:p14="http://schemas.microsoft.com/office/powerpoint/2010/main" val="658729433"/>
+      </p:ext>
+    </p:extLst>
+  </p:cSld>
+  <p:clrMapOvr>
+    <a:masterClrMapping/>
+  </p:clrMapOvr>
+</p:sld>
+</file>
+
+<file path=ppt/slides/slide21.xml><?xml version="1.0" encoding="utf-8"?>
+<p:sld xmlns:a="http://schemas.openxmlformats.org/drawingml/2006/main" xmlns:r="http://schemas.openxmlformats.org/officeDocument/2006/relationships" xmlns:p="http://schemas.openxmlformats.org/presentationml/2006/main">
+  <p:cSld>
+    <p:spTree>
+      <p:nvGrpSpPr>
+        <p:cNvPr id="1" name=""/>
+        <p:cNvGrpSpPr/>
+        <p:nvPr/>
+      </p:nvGrpSpPr>
+      <p:grpSpPr>
+        <a:xfrm>
+          <a:off x="0" y="0"/>
+          <a:ext cx="0" cy="0"/>
+          <a:chOff x="0" y="0"/>
+          <a:chExt cx="0" cy="0"/>
+        </a:xfrm>
+      </p:grpSpPr>
+      <p:sp>
+        <p:nvSpPr>
+          <p:cNvPr id="5" name="Right Triangle 4"/>
+          <p:cNvSpPr/>
+          <p:nvPr/>
+        </p:nvSpPr>
+        <p:spPr>
+          <a:xfrm>
+            <a:off x="963827" y="626076"/>
+            <a:ext cx="3509318" cy="1771135"/>
+          </a:xfrm>
+          <a:prstGeom prst="rtTriangle">
+            <a:avLst/>
+          </a:prstGeom>
+        </p:spPr>
+        <p:style>
+          <a:lnRef idx="2">
+            <a:schemeClr val="accent1">
+              <a:shade val="50000"/>
+            </a:schemeClr>
+          </a:lnRef>
+          <a:fillRef idx="1">
+            <a:schemeClr val="accent1"/>
+          </a:fillRef>
+          <a:effectRef idx="0">
+            <a:schemeClr val="accent1"/>
+          </a:effectRef>
+          <a:fontRef idx="minor">
+            <a:schemeClr val="lt1"/>
+          </a:fontRef>
+        </p:style>
+        <p:txBody>
+          <a:bodyPr rtlCol="0" anchor="ctr"/>
+          <a:lstStyle/>
+          <a:p>
+            <a:pPr algn="ctr"/>
+            <a:endParaRPr lang="en-US" dirty="0"/>
+          </a:p>
+        </p:txBody>
+      </p:sp>
+      <p:sp>
+        <p:nvSpPr>
+          <p:cNvPr id="6" name="TextBox 5"/>
+          <p:cNvSpPr txBox="1"/>
+          <p:nvPr/>
+        </p:nvSpPr>
+        <p:spPr>
+          <a:xfrm>
+            <a:off x="3525795" y="2027879"/>
+            <a:ext cx="316112" cy="369332"/>
+          </a:xfrm>
+          <a:prstGeom prst="rect">
+            <a:avLst/>
+          </a:prstGeom>
+          <a:noFill/>
+        </p:spPr>
+        <p:txBody>
+          <a:bodyPr wrap="none" rtlCol="0">
+            <a:spAutoFit/>
+          </a:bodyPr>
+          <a:lstStyle/>
+          <a:p>
+            <a:r>
+              <a:rPr lang="en-US" dirty="0" smtClean="0"/>
+              <a:t>V</a:t>
+            </a:r>
+            <a:endParaRPr lang="en-US" dirty="0"/>
+          </a:p>
+        </p:txBody>
+      </p:sp>
+      <p:sp>
+        <p:nvSpPr>
+          <p:cNvPr id="7" name="TextBox 6"/>
+          <p:cNvSpPr txBox="1"/>
+          <p:nvPr/>
+        </p:nvSpPr>
+        <p:spPr>
+          <a:xfrm>
+            <a:off x="566873" y="1410041"/>
+            <a:ext cx="288862" cy="369332"/>
+          </a:xfrm>
+          <a:prstGeom prst="rect">
+            <a:avLst/>
+          </a:prstGeom>
+          <a:noFill/>
+        </p:spPr>
+        <p:txBody>
+          <a:bodyPr wrap="none" rtlCol="0">
+            <a:spAutoFit/>
+          </a:bodyPr>
+          <a:lstStyle/>
+          <a:p>
+            <a:r>
+              <a:rPr lang="en-US" dirty="0" smtClean="0"/>
+              <a:t>y</a:t>
+            </a:r>
+            <a:endParaRPr lang="en-US" dirty="0"/>
+          </a:p>
+        </p:txBody>
+      </p:sp>
+      <p:sp>
+        <p:nvSpPr>
+          <p:cNvPr id="8" name="TextBox 7"/>
+          <p:cNvSpPr txBox="1"/>
+          <p:nvPr/>
+        </p:nvSpPr>
+        <p:spPr>
+          <a:xfrm>
+            <a:off x="1876689" y="2563338"/>
+            <a:ext cx="284052" cy="369332"/>
+          </a:xfrm>
+          <a:prstGeom prst="rect">
+            <a:avLst/>
+          </a:prstGeom>
+          <a:noFill/>
+        </p:spPr>
+        <p:txBody>
+          <a:bodyPr wrap="none" rtlCol="0">
+            <a:spAutoFit/>
+          </a:bodyPr>
+          <a:lstStyle/>
+          <a:p>
+            <a:r>
+              <a:rPr lang="en-US" dirty="0" smtClean="0"/>
+              <a:t>x</a:t>
+            </a:r>
+            <a:endParaRPr lang="en-US" dirty="0"/>
+          </a:p>
+        </p:txBody>
+      </p:sp>
+      <p:sp>
+        <p:nvSpPr>
+          <p:cNvPr id="9" name="TextBox 8"/>
+          <p:cNvSpPr txBox="1"/>
+          <p:nvPr/>
+        </p:nvSpPr>
+        <p:spPr>
+          <a:xfrm>
+            <a:off x="5362832" y="823784"/>
+            <a:ext cx="5519524" cy="646331"/>
+          </a:xfrm>
+          <a:prstGeom prst="rect">
+            <a:avLst/>
+          </a:prstGeom>
+          <a:noFill/>
+        </p:spPr>
+        <p:txBody>
+          <a:bodyPr wrap="none" rtlCol="0">
+            <a:spAutoFit/>
+          </a:bodyPr>
+          <a:lstStyle/>
+          <a:p>
+            <a:r>
+              <a:rPr lang="en-US" dirty="0" err="1" smtClean="0"/>
+              <a:t>Bila</a:t>
+            </a:r>
+            <a:r>
+              <a:rPr lang="en-US" dirty="0" smtClean="0"/>
+              <a:t> V </a:t>
+            </a:r>
+            <a:r>
+              <a:rPr lang="en-US" dirty="0" err="1" smtClean="0"/>
+              <a:t>merupakan</a:t>
+            </a:r>
+            <a:r>
+              <a:rPr lang="en-US" dirty="0" smtClean="0"/>
+              <a:t> </a:t>
+            </a:r>
+            <a:r>
+              <a:rPr lang="en-US" dirty="0" err="1" smtClean="0"/>
+              <a:t>sudut</a:t>
+            </a:r>
+            <a:r>
+              <a:rPr lang="en-US" dirty="0" smtClean="0"/>
+              <a:t>, </a:t>
+            </a:r>
+            <a:r>
+              <a:rPr lang="en-US" dirty="0" err="1" smtClean="0"/>
+              <a:t>dan</a:t>
+            </a:r>
+            <a:r>
+              <a:rPr lang="en-US" dirty="0" smtClean="0"/>
+              <a:t> y </a:t>
+            </a:r>
+            <a:r>
+              <a:rPr lang="en-US" dirty="0" err="1" smtClean="0"/>
+              <a:t>dan</a:t>
+            </a:r>
+            <a:r>
+              <a:rPr lang="en-US" dirty="0" smtClean="0"/>
+              <a:t> x </a:t>
+            </a:r>
+            <a:r>
+              <a:rPr lang="en-US" dirty="0" err="1" smtClean="0"/>
+              <a:t>merupakan</a:t>
+            </a:r>
+            <a:r>
+              <a:rPr lang="en-US" dirty="0" smtClean="0"/>
+              <a:t> </a:t>
+            </a:r>
+            <a:r>
+              <a:rPr lang="en-US" dirty="0" err="1" smtClean="0"/>
+              <a:t>panjang</a:t>
+            </a:r>
+            <a:endParaRPr lang="en-US" dirty="0" smtClean="0"/>
+          </a:p>
+          <a:p>
+            <a:r>
+              <a:rPr lang="en-US" dirty="0" err="1" smtClean="0"/>
+              <a:t>Maka</a:t>
+            </a:r>
+            <a:r>
+              <a:rPr lang="en-US" dirty="0" smtClean="0"/>
+              <a:t> V </a:t>
+            </a:r>
+            <a:r>
+              <a:rPr lang="en-US" dirty="0" err="1" smtClean="0"/>
+              <a:t>bisa</a:t>
+            </a:r>
+            <a:r>
+              <a:rPr lang="en-US" dirty="0" smtClean="0"/>
+              <a:t> </a:t>
+            </a:r>
+            <a:r>
+              <a:rPr lang="en-US" dirty="0" err="1" smtClean="0"/>
+              <a:t>ditentukan</a:t>
+            </a:r>
+            <a:r>
+              <a:rPr lang="en-US" dirty="0" smtClean="0"/>
+              <a:t> </a:t>
+            </a:r>
+            <a:r>
+              <a:rPr lang="en-US" dirty="0" err="1" smtClean="0"/>
+              <a:t>dengan</a:t>
+            </a:r>
+            <a:r>
+              <a:rPr lang="en-US" dirty="0" smtClean="0"/>
+              <a:t> </a:t>
+            </a:r>
+            <a:r>
+              <a:rPr lang="en-US" dirty="0" err="1" smtClean="0"/>
+              <a:t>rumus</a:t>
+            </a:r>
+            <a:r>
+              <a:rPr lang="en-US" dirty="0" smtClean="0"/>
+              <a:t> v = tan (y/x)</a:t>
+            </a:r>
+            <a:endParaRPr lang="en-US" dirty="0"/>
+          </a:p>
+        </p:txBody>
+      </p:sp>
+    </p:spTree>
+    <p:extLst>
+      <p:ext uri="{BB962C8B-B14F-4D97-AF65-F5344CB8AC3E}">
+        <p14:creationId xmlns:p14="http://schemas.microsoft.com/office/powerpoint/2010/main" val="2865485313"/>
+      </p:ext>
+    </p:extLst>
+  </p:cSld>
+  <p:clrMapOvr>
+    <a:masterClrMapping/>
+  </p:clrMapOvr>
+</p:sld>
+</file>
+
+<file path=ppt/slides/slide22.xml><?xml version="1.0" encoding="utf-8"?>
+<p:sld xmlns:a="http://schemas.openxmlformats.org/drawingml/2006/main" xmlns:r="http://schemas.openxmlformats.org/officeDocument/2006/relationships" xmlns:p="http://schemas.openxmlformats.org/presentationml/2006/main">
+  <p:cSld>
+    <p:spTree>
+      <p:nvGrpSpPr>
+        <p:cNvPr id="1" name=""/>
+        <p:cNvGrpSpPr/>
+        <p:nvPr/>
+      </p:nvGrpSpPr>
+      <p:grpSpPr>
+        <a:xfrm>
+          <a:off x="0" y="0"/>
+          <a:ext cx="0" cy="0"/>
+          <a:chOff x="0" y="0"/>
+          <a:chExt cx="0" cy="0"/>
+        </a:xfrm>
+      </p:grpSpPr>
+      <p:sp>
+        <p:nvSpPr>
+          <p:cNvPr id="2" name="Title 1"/>
+          <p:cNvSpPr>
+            <a:spLocks noGrp="1"/>
+          </p:cNvSpPr>
+          <p:nvPr>
+            <p:ph type="title"/>
+          </p:nvPr>
+        </p:nvSpPr>
+        <p:spPr/>
+        <p:txBody>
+          <a:bodyPr/>
+          <a:lstStyle/>
+          <a:p>
+            <a:endParaRPr lang="en-US" dirty="0"/>
+          </a:p>
+        </p:txBody>
+      </p:sp>
+      <p:sp>
+        <p:nvSpPr>
+          <p:cNvPr id="3" name="Content Placeholder 2"/>
+          <p:cNvSpPr>
+            <a:spLocks noGrp="1"/>
+          </p:cNvSpPr>
+          <p:nvPr>
+            <p:ph idx="1"/>
+          </p:nvPr>
+        </p:nvSpPr>
+        <p:spPr/>
+        <p:txBody>
+          <a:bodyPr>
+            <a:normAutofit fontScale="85000" lnSpcReduction="20000"/>
+          </a:bodyPr>
+          <a:lstStyle/>
+          <a:p>
+            <a:pPr marL="0" indent="0">
+              <a:buNone/>
+            </a:pPr>
+            <a:r>
+              <a:rPr lang="en-US" dirty="0" err="1"/>
+              <a:t>Jawaban</a:t>
+            </a:r>
+            <a:r>
+              <a:rPr lang="en-US" dirty="0"/>
+              <a:t> = </a:t>
+            </a:r>
+            <a:r>
+              <a:rPr lang="en-US" dirty="0" err="1" smtClean="0"/>
+              <a:t>salah</a:t>
+            </a:r>
+            <a:endParaRPr lang="en-US" dirty="0"/>
+          </a:p>
+          <a:p>
+            <a:pPr marL="0" indent="0">
+              <a:buNone/>
+            </a:pPr>
+            <a:r>
+              <a:rPr lang="en-US" b="1" dirty="0" err="1" smtClean="0"/>
+              <a:t>Rumus</a:t>
+            </a:r>
+            <a:r>
+              <a:rPr lang="en-US" b="1" dirty="0" smtClean="0"/>
+              <a:t>:</a:t>
+            </a:r>
+            <a:endParaRPr lang="en-US" b="1" dirty="0"/>
+          </a:p>
+          <a:p>
+            <a:pPr marL="0" indent="0">
+              <a:buNone/>
+            </a:pPr>
+            <a:r>
+              <a:rPr lang="el-GR" b="1" dirty="0"/>
+              <a:t>α =</a:t>
+            </a:r>
+            <a:r>
+              <a:rPr lang="en-US" b="1" dirty="0"/>
+              <a:t>Tan</a:t>
+            </a:r>
+            <a:r>
+              <a:rPr lang="en-US" b="1" baseline="30000" dirty="0"/>
+              <a:t>-1</a:t>
+            </a:r>
+            <a:r>
+              <a:rPr lang="en-US" b="1" dirty="0"/>
+              <a:t>( y / x ) </a:t>
+            </a:r>
+            <a:endParaRPr lang="en-US" b="1" dirty="0" smtClean="0"/>
+          </a:p>
+          <a:p>
+            <a:pPr marL="0" indent="0">
+              <a:buNone/>
+            </a:pPr>
+            <a:endParaRPr lang="en-US" b="1" dirty="0" smtClean="0"/>
+          </a:p>
+          <a:p>
+            <a:pPr marL="0" indent="0">
+              <a:buNone/>
+            </a:pPr>
+            <a:r>
+              <a:rPr lang="en-US" b="1" dirty="0" smtClean="0"/>
+              <a:t>Trigonometry, </a:t>
+            </a:r>
+            <a:r>
+              <a:rPr lang="en-US" b="1" dirty="0" err="1" smtClean="0"/>
+              <a:t>merupakan</a:t>
+            </a:r>
+            <a:r>
+              <a:rPr lang="en-US" b="1" dirty="0" smtClean="0"/>
+              <a:t> </a:t>
+            </a:r>
+            <a:r>
+              <a:rPr lang="en-US" b="1" dirty="0" err="1" smtClean="0"/>
+              <a:t>rumus</a:t>
+            </a:r>
+            <a:r>
+              <a:rPr lang="en-US" b="1" dirty="0" smtClean="0"/>
+              <a:t> </a:t>
+            </a:r>
+            <a:r>
+              <a:rPr lang="en-US" b="1" dirty="0" err="1" smtClean="0"/>
+              <a:t>matematika</a:t>
+            </a:r>
+            <a:r>
+              <a:rPr lang="en-US" b="1" dirty="0" smtClean="0"/>
+              <a:t> yang </a:t>
+            </a:r>
+            <a:r>
+              <a:rPr lang="en-US" b="1" dirty="0" err="1" smtClean="0"/>
+              <a:t>sering</a:t>
+            </a:r>
+            <a:r>
+              <a:rPr lang="en-US" b="1" dirty="0" smtClean="0"/>
+              <a:t> </a:t>
+            </a:r>
+            <a:r>
+              <a:rPr lang="en-US" b="1" dirty="0" err="1" smtClean="0"/>
+              <a:t>dimanfaatkan</a:t>
+            </a:r>
+            <a:r>
+              <a:rPr lang="en-US" b="1" dirty="0" smtClean="0"/>
+              <a:t> </a:t>
+            </a:r>
+            <a:r>
+              <a:rPr lang="en-US" b="1" dirty="0" err="1" smtClean="0"/>
+              <a:t>untuk</a:t>
+            </a:r>
+            <a:r>
+              <a:rPr lang="en-US" b="1" dirty="0" smtClean="0"/>
+              <a:t> </a:t>
+            </a:r>
+            <a:r>
+              <a:rPr lang="en-US" b="1" dirty="0" err="1" smtClean="0"/>
+              <a:t>mendapatkan</a:t>
+            </a:r>
+            <a:r>
+              <a:rPr lang="en-US" b="1" dirty="0" smtClean="0"/>
+              <a:t> </a:t>
+            </a:r>
+            <a:r>
+              <a:rPr lang="en-US" b="1" dirty="0" err="1" smtClean="0"/>
+              <a:t>derajat</a:t>
+            </a:r>
+            <a:r>
+              <a:rPr lang="en-US" b="1" dirty="0" smtClean="0"/>
+              <a:t> di </a:t>
+            </a:r>
+            <a:r>
+              <a:rPr lang="en-US" b="1" dirty="0" err="1" smtClean="0"/>
+              <a:t>dalam</a:t>
+            </a:r>
+            <a:r>
+              <a:rPr lang="en-US" b="1" dirty="0" smtClean="0"/>
+              <a:t> games.</a:t>
+            </a:r>
+            <a:endParaRPr lang="en-US" b="1" dirty="0"/>
+          </a:p>
+          <a:p>
+            <a:pPr marL="0" indent="0">
+              <a:buNone/>
+            </a:pPr>
+            <a:endParaRPr lang="en-US" b="1" dirty="0" smtClean="0"/>
+          </a:p>
+          <a:p>
+            <a:pPr marL="0" indent="0">
+              <a:buNone/>
+            </a:pPr>
+            <a:r>
+              <a:rPr lang="en-US" b="1" dirty="0" err="1" smtClean="0"/>
+              <a:t>Referensi</a:t>
+            </a:r>
+            <a:r>
+              <a:rPr lang="en-US" b="1" dirty="0" smtClean="0"/>
+              <a:t> </a:t>
+            </a:r>
+            <a:r>
+              <a:rPr lang="en-US" b="1" dirty="0"/>
+              <a:t>: https://www.google.co.id/url?sa=t&amp;rct=j&amp;q=&amp;esrc=s&amp;source=web&amp;cd=9&amp;ved=0CEIQFjAIahUKEwjR97vJwLDIAhVEPo4KHTvKAR0&amp;url=http%3A%2F%2Fwww.softlion.nl%2Fdownload%2Farticle%2FTrigonometry.pdf&amp;usg=AFQjCNFfj7knmntlMSjx3Np_subpw-m12Q&amp;sig2=hyRDgYHfaGHqAG4qUPxU_Q&amp;cad=rja</a:t>
+            </a:r>
+            <a:endParaRPr lang="en-US" dirty="0"/>
+          </a:p>
+        </p:txBody>
+      </p:sp>
+    </p:spTree>
+    <p:extLst>
+      <p:ext uri="{BB962C8B-B14F-4D97-AF65-F5344CB8AC3E}">
+        <p14:creationId xmlns:p14="http://schemas.microsoft.com/office/powerpoint/2010/main" val="893124275"/>
+      </p:ext>
+    </p:extLst>
+  </p:cSld>
+  <p:clrMapOvr>
+    <a:masterClrMapping/>
+  </p:clrMapOvr>
+</p:sld>
+</file>
+
+<file path=ppt/slides/slide23.xml><?xml version="1.0" encoding="utf-8"?>
+<p:sld xmlns:a="http://schemas.openxmlformats.org/drawingml/2006/main" xmlns:r="http://schemas.openxmlformats.org/officeDocument/2006/relationships" xmlns:p="http://schemas.openxmlformats.org/presentationml/2006/main">
+  <p:cSld>
+    <p:spTree>
+      <p:nvGrpSpPr>
+        <p:cNvPr id="1" name=""/>
+        <p:cNvGrpSpPr/>
+        <p:nvPr/>
+      </p:nvGrpSpPr>
+      <p:grpSpPr>
+        <a:xfrm>
+          <a:off x="0" y="0"/>
+          <a:ext cx="0" cy="0"/>
+          <a:chOff x="0" y="0"/>
+          <a:chExt cx="0" cy="0"/>
+        </a:xfrm>
+      </p:grpSpPr>
+      <p:sp>
+        <p:nvSpPr>
+          <p:cNvPr id="2" name="Title 1"/>
+          <p:cNvSpPr>
+            <a:spLocks noGrp="1"/>
+          </p:cNvSpPr>
+          <p:nvPr>
+            <p:ph type="title"/>
+          </p:nvPr>
+        </p:nvSpPr>
+        <p:spPr/>
+        <p:txBody>
+          <a:bodyPr/>
+          <a:lstStyle/>
+          <a:p>
+            <a:endParaRPr lang="en-US"/>
+          </a:p>
+        </p:txBody>
+      </p:sp>
+      <p:sp>
+        <p:nvSpPr>
+          <p:cNvPr id="3" name="Content Placeholder 2"/>
+          <p:cNvSpPr>
+            <a:spLocks noGrp="1"/>
+          </p:cNvSpPr>
+          <p:nvPr>
+            <p:ph idx="1"/>
+          </p:nvPr>
+        </p:nvSpPr>
+        <p:spPr/>
+        <p:txBody>
+          <a:bodyPr/>
+          <a:lstStyle/>
+          <a:p>
+            <a:endParaRPr lang="en-US"/>
+          </a:p>
+        </p:txBody>
+      </p:sp>
+    </p:spTree>
+    <p:extLst>
+      <p:ext uri="{BB962C8B-B14F-4D97-AF65-F5344CB8AC3E}">
+        <p14:creationId xmlns:p14="http://schemas.microsoft.com/office/powerpoint/2010/main" val="4147917502"/>
       </p:ext>
     </p:extLst>
   </p:cSld>

--- a/Tugas.pptx
+++ b/Tugas.pptx
@@ -3762,11 +3762,7 @@
             </a:r>
             <a:r>
               <a:rPr lang="en-US" dirty="0" err="1" smtClean="0"/>
-              <a:t>ada</a:t>
-            </a:r>
-            <a:r>
-              <a:rPr lang="en-US" dirty="0" err="1" smtClean="0"/>
-              <a:t>lah</a:t>
+              <a:t>adalah</a:t>
             </a:r>
             <a:r>
               <a:rPr lang="en-US" dirty="0"/>
@@ -5612,7 +5608,171 @@
           <a:bodyPr/>
           <a:lstStyle/>
           <a:p>
-            <a:endParaRPr lang="en-US"/>
+            <a:r>
+              <a:rPr lang="en-US" dirty="0" err="1" smtClean="0"/>
+              <a:t>Pertanyaan</a:t>
+            </a:r>
+            <a:r>
+              <a:rPr lang="en-US" dirty="0" smtClean="0"/>
+              <a:t> </a:t>
+            </a:r>
+            <a:r>
+              <a:rPr lang="en-US" dirty="0" err="1" smtClean="0"/>
+              <a:t>Dota</a:t>
+            </a:r>
+            <a:r>
+              <a:rPr lang="en-US" dirty="0" smtClean="0"/>
+              <a:t> 2, </a:t>
+            </a:r>
+            <a:r>
+              <a:rPr lang="en-US" dirty="0" err="1" smtClean="0"/>
+              <a:t>bila</a:t>
+            </a:r>
+            <a:r>
+              <a:rPr lang="en-US" dirty="0" smtClean="0"/>
+              <a:t> PA </a:t>
+            </a:r>
+            <a:r>
+              <a:rPr lang="en-US" dirty="0" err="1" smtClean="0"/>
+              <a:t>memiliki</a:t>
+            </a:r>
+            <a:r>
+              <a:rPr lang="en-US" dirty="0" smtClean="0"/>
+              <a:t> evasion 50% </a:t>
+            </a:r>
+            <a:r>
+              <a:rPr lang="en-US" dirty="0" err="1" smtClean="0"/>
+              <a:t>dan</a:t>
+            </a:r>
+            <a:r>
+              <a:rPr lang="en-US" dirty="0" smtClean="0"/>
+              <a:t> PA </a:t>
+            </a:r>
+            <a:r>
+              <a:rPr lang="en-US" dirty="0" err="1" smtClean="0"/>
+              <a:t>membeli</a:t>
+            </a:r>
+            <a:r>
+              <a:rPr lang="en-US" dirty="0" smtClean="0"/>
+              <a:t> evasion 35%, </a:t>
+            </a:r>
+            <a:r>
+              <a:rPr lang="en-US" dirty="0" err="1" smtClean="0"/>
+              <a:t>maka</a:t>
+            </a:r>
+            <a:r>
+              <a:rPr lang="en-US" dirty="0" smtClean="0"/>
+              <a:t> </a:t>
+            </a:r>
+            <a:r>
+              <a:rPr lang="en-US" dirty="0" err="1" smtClean="0"/>
+              <a:t>secara</a:t>
+            </a:r>
+            <a:r>
+              <a:rPr lang="en-US" dirty="0" smtClean="0"/>
+              <a:t> </a:t>
+            </a:r>
+            <a:r>
+              <a:rPr lang="en-US" dirty="0" err="1" smtClean="0"/>
+              <a:t>teori</a:t>
+            </a:r>
+            <a:r>
+              <a:rPr lang="en-US" dirty="0" smtClean="0"/>
+              <a:t> </a:t>
+            </a:r>
+            <a:r>
+              <a:rPr lang="en-US" dirty="0" err="1" smtClean="0"/>
+              <a:t>maka</a:t>
+            </a:r>
+            <a:r>
+              <a:rPr lang="en-US" dirty="0" smtClean="0"/>
+              <a:t> di </a:t>
+            </a:r>
+            <a:r>
+              <a:rPr lang="en-US" dirty="0" err="1" smtClean="0"/>
+              <a:t>setiap</a:t>
+            </a:r>
+            <a:r>
+              <a:rPr lang="en-US" dirty="0" smtClean="0"/>
+              <a:t> </a:t>
+            </a:r>
+            <a:r>
+              <a:rPr lang="en-US" dirty="0" err="1" smtClean="0"/>
+              <a:t>pukulan</a:t>
+            </a:r>
+            <a:r>
+              <a:rPr lang="en-US" dirty="0" smtClean="0"/>
+              <a:t> </a:t>
+            </a:r>
+            <a:r>
+              <a:rPr lang="en-US" dirty="0" err="1" smtClean="0"/>
+              <a:t>musuh</a:t>
+            </a:r>
+            <a:r>
+              <a:rPr lang="en-US" dirty="0" smtClean="0"/>
+              <a:t>, </a:t>
+            </a:r>
+            <a:r>
+              <a:rPr lang="en-US" dirty="0" err="1" smtClean="0"/>
+              <a:t>pukulan</a:t>
+            </a:r>
+            <a:r>
+              <a:rPr lang="en-US" dirty="0" smtClean="0"/>
+              <a:t> </a:t>
+            </a:r>
+            <a:r>
+              <a:rPr lang="en-US" dirty="0" err="1" smtClean="0"/>
+              <a:t>tersebut</a:t>
+            </a:r>
+            <a:r>
+              <a:rPr lang="en-US" dirty="0" smtClean="0"/>
+              <a:t> </a:t>
+            </a:r>
+            <a:r>
+              <a:rPr lang="en-US" dirty="0" err="1" smtClean="0"/>
+              <a:t>memiliki</a:t>
+            </a:r>
+            <a:r>
+              <a:rPr lang="en-US" dirty="0" smtClean="0"/>
+              <a:t> </a:t>
+            </a:r>
+            <a:r>
+              <a:rPr lang="en-US" dirty="0" err="1" smtClean="0"/>
+              <a:t>kesempatan</a:t>
+            </a:r>
+            <a:r>
+              <a:rPr lang="en-US" dirty="0" smtClean="0"/>
+              <a:t> </a:t>
+            </a:r>
+            <a:r>
+              <a:rPr lang="en-US" dirty="0" err="1" smtClean="0"/>
+              <a:t>sebesar</a:t>
+            </a:r>
+            <a:r>
+              <a:rPr lang="en-US" dirty="0" smtClean="0"/>
+              <a:t> 32.5 % </a:t>
+            </a:r>
+            <a:r>
+              <a:rPr lang="en-US" dirty="0" err="1" smtClean="0"/>
+              <a:t>untuk</a:t>
+            </a:r>
+            <a:r>
+              <a:rPr lang="en-US" dirty="0" smtClean="0"/>
+              <a:t> </a:t>
+            </a:r>
+            <a:r>
+              <a:rPr lang="en-US" dirty="0" err="1" smtClean="0"/>
+              <a:t>mengenai</a:t>
+            </a:r>
+            <a:r>
+              <a:rPr lang="en-US" dirty="0"/>
+              <a:t> </a:t>
+            </a:r>
+            <a:r>
+              <a:rPr lang="en-US" dirty="0" smtClean="0"/>
+              <a:t>PA</a:t>
+            </a:r>
+            <a:endParaRPr lang="en-US" dirty="0"/>
           </a:p>
         </p:txBody>
       </p:sp>
